--- a/resources/architecture.pptx
+++ b/resources/architecture.pptx
@@ -8,6 +8,8 @@
     <p:sldId id="256" r:id="rId2"/>
     <p:sldId id="257" r:id="rId3"/>
     <p:sldId id="258" r:id="rId4"/>
+    <p:sldId id="259" r:id="rId5"/>
+    <p:sldId id="260" r:id="rId6"/>
   </p:sldIdLst>
   <p:sldSz cx="12192000" cy="6858000"/>
   <p:notesSz cx="6858000" cy="9144000"/>
@@ -263,7 +265,7 @@
           <a:p>
             <a:fld id="{F2FB5CAD-2BDB-4AFC-BEB5-07B2730BB78E}" type="datetimeFigureOut">
               <a:rPr lang="en-AU" smtClean="0"/>
-              <a:t>5/08/2020</a:t>
+              <a:t>6/08/2020</a:t>
             </a:fld>
             <a:endParaRPr lang="en-AU"/>
           </a:p>
@@ -463,7 +465,7 @@
           <a:p>
             <a:fld id="{F2FB5CAD-2BDB-4AFC-BEB5-07B2730BB78E}" type="datetimeFigureOut">
               <a:rPr lang="en-AU" smtClean="0"/>
-              <a:t>5/08/2020</a:t>
+              <a:t>6/08/2020</a:t>
             </a:fld>
             <a:endParaRPr lang="en-AU"/>
           </a:p>
@@ -673,7 +675,7 @@
           <a:p>
             <a:fld id="{F2FB5CAD-2BDB-4AFC-BEB5-07B2730BB78E}" type="datetimeFigureOut">
               <a:rPr lang="en-AU" smtClean="0"/>
-              <a:t>5/08/2020</a:t>
+              <a:t>6/08/2020</a:t>
             </a:fld>
             <a:endParaRPr lang="en-AU"/>
           </a:p>
@@ -873,7 +875,7 @@
           <a:p>
             <a:fld id="{F2FB5CAD-2BDB-4AFC-BEB5-07B2730BB78E}" type="datetimeFigureOut">
               <a:rPr lang="en-AU" smtClean="0"/>
-              <a:t>5/08/2020</a:t>
+              <a:t>6/08/2020</a:t>
             </a:fld>
             <a:endParaRPr lang="en-AU"/>
           </a:p>
@@ -1149,7 +1151,7 @@
           <a:p>
             <a:fld id="{F2FB5CAD-2BDB-4AFC-BEB5-07B2730BB78E}" type="datetimeFigureOut">
               <a:rPr lang="en-AU" smtClean="0"/>
-              <a:t>5/08/2020</a:t>
+              <a:t>6/08/2020</a:t>
             </a:fld>
             <a:endParaRPr lang="en-AU"/>
           </a:p>
@@ -1417,7 +1419,7 @@
           <a:p>
             <a:fld id="{F2FB5CAD-2BDB-4AFC-BEB5-07B2730BB78E}" type="datetimeFigureOut">
               <a:rPr lang="en-AU" smtClean="0"/>
-              <a:t>5/08/2020</a:t>
+              <a:t>6/08/2020</a:t>
             </a:fld>
             <a:endParaRPr lang="en-AU"/>
           </a:p>
@@ -1832,7 +1834,7 @@
           <a:p>
             <a:fld id="{F2FB5CAD-2BDB-4AFC-BEB5-07B2730BB78E}" type="datetimeFigureOut">
               <a:rPr lang="en-AU" smtClean="0"/>
-              <a:t>5/08/2020</a:t>
+              <a:t>6/08/2020</a:t>
             </a:fld>
             <a:endParaRPr lang="en-AU"/>
           </a:p>
@@ -1974,7 +1976,7 @@
           <a:p>
             <a:fld id="{F2FB5CAD-2BDB-4AFC-BEB5-07B2730BB78E}" type="datetimeFigureOut">
               <a:rPr lang="en-AU" smtClean="0"/>
-              <a:t>5/08/2020</a:t>
+              <a:t>6/08/2020</a:t>
             </a:fld>
             <a:endParaRPr lang="en-AU"/>
           </a:p>
@@ -2087,7 +2089,7 @@
           <a:p>
             <a:fld id="{F2FB5CAD-2BDB-4AFC-BEB5-07B2730BB78E}" type="datetimeFigureOut">
               <a:rPr lang="en-AU" smtClean="0"/>
-              <a:t>5/08/2020</a:t>
+              <a:t>6/08/2020</a:t>
             </a:fld>
             <a:endParaRPr lang="en-AU"/>
           </a:p>
@@ -2400,7 +2402,7 @@
           <a:p>
             <a:fld id="{F2FB5CAD-2BDB-4AFC-BEB5-07B2730BB78E}" type="datetimeFigureOut">
               <a:rPr lang="en-AU" smtClean="0"/>
-              <a:t>5/08/2020</a:t>
+              <a:t>6/08/2020</a:t>
             </a:fld>
             <a:endParaRPr lang="en-AU"/>
           </a:p>
@@ -2689,7 +2691,7 @@
           <a:p>
             <a:fld id="{F2FB5CAD-2BDB-4AFC-BEB5-07B2730BB78E}" type="datetimeFigureOut">
               <a:rPr lang="en-AU" smtClean="0"/>
-              <a:t>5/08/2020</a:t>
+              <a:t>6/08/2020</a:t>
             </a:fld>
             <a:endParaRPr lang="en-AU"/>
           </a:p>
@@ -2932,7 +2934,7 @@
           <a:p>
             <a:fld id="{F2FB5CAD-2BDB-4AFC-BEB5-07B2730BB78E}" type="datetimeFigureOut">
               <a:rPr lang="en-AU" smtClean="0"/>
-              <a:t>5/08/2020</a:t>
+              <a:t>6/08/2020</a:t>
             </a:fld>
             <a:endParaRPr lang="en-AU"/>
           </a:p>
@@ -9216,6 +9218,2855 @@
 </p:sld>
 </file>
 
+<file path=ppt/slides/slide4.xml><?xml version="1.0" encoding="utf-8"?>
+<p:sld xmlns:a="http://schemas.openxmlformats.org/drawingml/2006/main" xmlns:r="http://schemas.openxmlformats.org/officeDocument/2006/relationships" xmlns:p="http://schemas.openxmlformats.org/presentationml/2006/main">
+  <p:cSld>
+    <p:spTree>
+      <p:nvGrpSpPr>
+        <p:cNvPr id="1" name=""/>
+        <p:cNvGrpSpPr/>
+        <p:nvPr/>
+      </p:nvGrpSpPr>
+      <p:grpSpPr>
+        <a:xfrm>
+          <a:off x="0" y="0"/>
+          <a:ext cx="0" cy="0"/>
+          <a:chOff x="0" y="0"/>
+          <a:chExt cx="0" cy="0"/>
+        </a:xfrm>
+      </p:grpSpPr>
+      <p:sp>
+        <p:nvSpPr>
+          <p:cNvPr id="32" name="Rectangle 31">
+            <a:extLst>
+              <a:ext uri="{FF2B5EF4-FFF2-40B4-BE49-F238E27FC236}">
+                <a16:creationId xmlns:a16="http://schemas.microsoft.com/office/drawing/2014/main" id="{145BBF41-F6D0-4EE8-84A4-B0DE9BAB5B4B}"/>
+              </a:ext>
+            </a:extLst>
+          </p:cNvPr>
+          <p:cNvSpPr/>
+          <p:nvPr/>
+        </p:nvSpPr>
+        <p:spPr>
+          <a:xfrm>
+            <a:off x="378690" y="2249032"/>
+            <a:ext cx="11397673" cy="4465786"/>
+          </a:xfrm>
+          <a:prstGeom prst="rect">
+            <a:avLst/>
+          </a:prstGeom>
+          <a:solidFill>
+            <a:schemeClr val="bg2">
+              <a:lumMod val="90000"/>
+            </a:schemeClr>
+          </a:solidFill>
+        </p:spPr>
+        <p:style>
+          <a:lnRef idx="2">
+            <a:schemeClr val="accent1">
+              <a:shade val="50000"/>
+            </a:schemeClr>
+          </a:lnRef>
+          <a:fillRef idx="1">
+            <a:schemeClr val="accent1"/>
+          </a:fillRef>
+          <a:effectRef idx="0">
+            <a:schemeClr val="accent1"/>
+          </a:effectRef>
+          <a:fontRef idx="minor">
+            <a:schemeClr val="lt1"/>
+          </a:fontRef>
+        </p:style>
+        <p:txBody>
+          <a:bodyPr rtlCol="0" anchor="t"/>
+          <a:lstStyle/>
+          <a:p>
+            <a:r>
+              <a:rPr lang="en-AU" dirty="0">
+                <a:solidFill>
+                  <a:schemeClr val="tx1"/>
+                </a:solidFill>
+              </a:rPr>
+              <a:t>Azure Sphere MT3620</a:t>
+            </a:r>
+          </a:p>
+        </p:txBody>
+      </p:sp>
+      <p:sp>
+        <p:nvSpPr>
+          <p:cNvPr id="2" name="Rectangle 1">
+            <a:extLst>
+              <a:ext uri="{FF2B5EF4-FFF2-40B4-BE49-F238E27FC236}">
+                <a16:creationId xmlns:a16="http://schemas.microsoft.com/office/drawing/2014/main" id="{3AB20BF4-EAE7-4432-BB1C-E7BE9A2EE5B0}"/>
+              </a:ext>
+            </a:extLst>
+          </p:cNvPr>
+          <p:cNvSpPr/>
+          <p:nvPr/>
+        </p:nvSpPr>
+        <p:spPr>
+          <a:xfrm>
+            <a:off x="748145" y="2770887"/>
+            <a:ext cx="4066376" cy="3676077"/>
+          </a:xfrm>
+          <a:prstGeom prst="rect">
+            <a:avLst/>
+          </a:prstGeom>
+          <a:gradFill flip="none" rotWithShape="1">
+            <a:gsLst>
+              <a:gs pos="0">
+                <a:schemeClr val="bg2">
+                  <a:lumMod val="75000"/>
+                  <a:shade val="30000"/>
+                  <a:satMod val="115000"/>
+                </a:schemeClr>
+              </a:gs>
+              <a:gs pos="50000">
+                <a:schemeClr val="bg2">
+                  <a:lumMod val="75000"/>
+                  <a:shade val="67500"/>
+                  <a:satMod val="115000"/>
+                </a:schemeClr>
+              </a:gs>
+              <a:gs pos="100000">
+                <a:schemeClr val="bg2">
+                  <a:lumMod val="75000"/>
+                  <a:shade val="100000"/>
+                  <a:satMod val="115000"/>
+                </a:schemeClr>
+              </a:gs>
+            </a:gsLst>
+            <a:lin ang="2700000" scaled="1"/>
+            <a:tileRect/>
+          </a:gradFill>
+          <a:ln>
+            <a:solidFill>
+              <a:schemeClr val="bg2">
+                <a:lumMod val="75000"/>
+              </a:schemeClr>
+            </a:solidFill>
+          </a:ln>
+        </p:spPr>
+        <p:style>
+          <a:lnRef idx="2">
+            <a:schemeClr val="accent1">
+              <a:shade val="50000"/>
+            </a:schemeClr>
+          </a:lnRef>
+          <a:fillRef idx="1">
+            <a:schemeClr val="accent1"/>
+          </a:fillRef>
+          <a:effectRef idx="0">
+            <a:schemeClr val="accent1"/>
+          </a:effectRef>
+          <a:fontRef idx="minor">
+            <a:schemeClr val="lt1"/>
+          </a:fontRef>
+        </p:style>
+        <p:txBody>
+          <a:bodyPr rtlCol="0" anchor="t"/>
+          <a:lstStyle/>
+          <a:p>
+            <a:pPr algn="ctr"/>
+            <a:r>
+              <a:rPr lang="en-AU" dirty="0"/>
+              <a:t>Cortex A7 Application core</a:t>
+            </a:r>
+          </a:p>
+        </p:txBody>
+      </p:sp>
+      <p:sp>
+        <p:nvSpPr>
+          <p:cNvPr id="4" name="Rectangle 3">
+            <a:extLst>
+              <a:ext uri="{FF2B5EF4-FFF2-40B4-BE49-F238E27FC236}">
+                <a16:creationId xmlns:a16="http://schemas.microsoft.com/office/drawing/2014/main" id="{F3E492B8-46EB-4111-8D0A-D4D73F925963}"/>
+              </a:ext>
+            </a:extLst>
+          </p:cNvPr>
+          <p:cNvSpPr/>
+          <p:nvPr/>
+        </p:nvSpPr>
+        <p:spPr>
+          <a:xfrm>
+            <a:off x="7370613" y="2770887"/>
+            <a:ext cx="4073241" cy="3676077"/>
+          </a:xfrm>
+          <a:prstGeom prst="rect">
+            <a:avLst/>
+          </a:prstGeom>
+          <a:gradFill flip="none" rotWithShape="1">
+            <a:gsLst>
+              <a:gs pos="0">
+                <a:schemeClr val="accent5">
+                  <a:lumMod val="75000"/>
+                  <a:shade val="30000"/>
+                  <a:satMod val="115000"/>
+                </a:schemeClr>
+              </a:gs>
+              <a:gs pos="50000">
+                <a:schemeClr val="accent5">
+                  <a:lumMod val="75000"/>
+                  <a:shade val="67500"/>
+                  <a:satMod val="115000"/>
+                </a:schemeClr>
+              </a:gs>
+              <a:gs pos="100000">
+                <a:schemeClr val="accent5">
+                  <a:lumMod val="75000"/>
+                  <a:shade val="100000"/>
+                  <a:satMod val="115000"/>
+                </a:schemeClr>
+              </a:gs>
+            </a:gsLst>
+            <a:lin ang="2700000" scaled="1"/>
+            <a:tileRect/>
+          </a:gradFill>
+        </p:spPr>
+        <p:style>
+          <a:lnRef idx="2">
+            <a:schemeClr val="accent1">
+              <a:shade val="50000"/>
+            </a:schemeClr>
+          </a:lnRef>
+          <a:fillRef idx="1">
+            <a:schemeClr val="accent1"/>
+          </a:fillRef>
+          <a:effectRef idx="0">
+            <a:schemeClr val="accent1"/>
+          </a:effectRef>
+          <a:fontRef idx="minor">
+            <a:schemeClr val="lt1"/>
+          </a:fontRef>
+        </p:style>
+        <p:txBody>
+          <a:bodyPr rtlCol="0" anchor="t"/>
+          <a:lstStyle/>
+          <a:p>
+            <a:pPr algn="ctr"/>
+            <a:r>
+              <a:rPr lang="en-AU" dirty="0"/>
+              <a:t>Cortex M4 Real-time core</a:t>
+            </a:r>
+          </a:p>
+        </p:txBody>
+      </p:sp>
+      <p:sp>
+        <p:nvSpPr>
+          <p:cNvPr id="6" name="Rectangle 5">
+            <a:extLst>
+              <a:ext uri="{FF2B5EF4-FFF2-40B4-BE49-F238E27FC236}">
+                <a16:creationId xmlns:a16="http://schemas.microsoft.com/office/drawing/2014/main" id="{56340D7D-D272-4D14-BF02-55BF4899193C}"/>
+              </a:ext>
+            </a:extLst>
+          </p:cNvPr>
+          <p:cNvSpPr/>
+          <p:nvPr/>
+        </p:nvSpPr>
+        <p:spPr>
+          <a:xfrm>
+            <a:off x="5279771" y="2770887"/>
+            <a:ext cx="1632457" cy="3676078"/>
+          </a:xfrm>
+          <a:prstGeom prst="rect">
+            <a:avLst/>
+          </a:prstGeom>
+          <a:gradFill flip="none" rotWithShape="1">
+            <a:gsLst>
+              <a:gs pos="0">
+                <a:schemeClr val="accent6">
+                  <a:lumMod val="60000"/>
+                  <a:lumOff val="40000"/>
+                  <a:shade val="30000"/>
+                  <a:satMod val="115000"/>
+                </a:schemeClr>
+              </a:gs>
+              <a:gs pos="50000">
+                <a:schemeClr val="accent6">
+                  <a:lumMod val="60000"/>
+                  <a:lumOff val="40000"/>
+                  <a:shade val="67500"/>
+                  <a:satMod val="115000"/>
+                </a:schemeClr>
+              </a:gs>
+              <a:gs pos="100000">
+                <a:schemeClr val="accent6">
+                  <a:lumMod val="60000"/>
+                  <a:lumOff val="40000"/>
+                  <a:shade val="100000"/>
+                  <a:satMod val="115000"/>
+                </a:schemeClr>
+              </a:gs>
+            </a:gsLst>
+            <a:lin ang="2700000" scaled="1"/>
+            <a:tileRect/>
+          </a:gradFill>
+          <a:ln>
+            <a:solidFill>
+              <a:srgbClr val="92D050"/>
+            </a:solidFill>
+          </a:ln>
+        </p:spPr>
+        <p:style>
+          <a:lnRef idx="2">
+            <a:schemeClr val="accent1">
+              <a:shade val="50000"/>
+            </a:schemeClr>
+          </a:lnRef>
+          <a:fillRef idx="1">
+            <a:schemeClr val="accent1"/>
+          </a:fillRef>
+          <a:effectRef idx="0">
+            <a:schemeClr val="accent1"/>
+          </a:effectRef>
+          <a:fontRef idx="minor">
+            <a:schemeClr val="lt1"/>
+          </a:fontRef>
+        </p:style>
+        <p:txBody>
+          <a:bodyPr vert="horz" rtlCol="0" anchor="ctr"/>
+          <a:lstStyle/>
+          <a:p>
+            <a:pPr algn="ctr"/>
+            <a:r>
+              <a:rPr lang="en-AU" sz="2400" dirty="0"/>
+              <a:t>Inter-core </a:t>
+            </a:r>
+          </a:p>
+          <a:p>
+            <a:pPr algn="ctr"/>
+            <a:r>
+              <a:rPr lang="en-AU" sz="2400" dirty="0"/>
+              <a:t>Message bridge</a:t>
+            </a:r>
+          </a:p>
+        </p:txBody>
+      </p:sp>
+      <p:sp>
+        <p:nvSpPr>
+          <p:cNvPr id="7" name="Rectangle 6">
+            <a:extLst>
+              <a:ext uri="{FF2B5EF4-FFF2-40B4-BE49-F238E27FC236}">
+                <a16:creationId xmlns:a16="http://schemas.microsoft.com/office/drawing/2014/main" id="{0DFC861A-9437-4D7C-A0E3-5D455299B9E7}"/>
+              </a:ext>
+            </a:extLst>
+          </p:cNvPr>
+          <p:cNvSpPr/>
+          <p:nvPr/>
+        </p:nvSpPr>
+        <p:spPr>
+          <a:xfrm>
+            <a:off x="7763158" y="3477468"/>
+            <a:ext cx="3265055" cy="2678546"/>
+          </a:xfrm>
+          <a:prstGeom prst="rect">
+            <a:avLst/>
+          </a:prstGeom>
+        </p:spPr>
+        <p:style>
+          <a:lnRef idx="2">
+            <a:schemeClr val="accent1">
+              <a:shade val="50000"/>
+            </a:schemeClr>
+          </a:lnRef>
+          <a:fillRef idx="1">
+            <a:schemeClr val="accent1"/>
+          </a:fillRef>
+          <a:effectRef idx="0">
+            <a:schemeClr val="accent1"/>
+          </a:effectRef>
+          <a:fontRef idx="minor">
+            <a:schemeClr val="lt1"/>
+          </a:fontRef>
+        </p:style>
+        <p:txBody>
+          <a:bodyPr rtlCol="0" anchor="t"/>
+          <a:lstStyle/>
+          <a:p>
+            <a:pPr algn="ctr"/>
+            <a:r>
+              <a:rPr lang="en-AU" dirty="0"/>
+              <a:t>Azure RTOS </a:t>
+            </a:r>
+            <a:r>
+              <a:rPr lang="en-AU" dirty="0" err="1"/>
+              <a:t>ThreadX</a:t>
+            </a:r>
+            <a:endParaRPr lang="en-AU" dirty="0"/>
+          </a:p>
+        </p:txBody>
+      </p:sp>
+      <p:grpSp>
+        <p:nvGrpSpPr>
+          <p:cNvPr id="22" name="Group 21">
+            <a:extLst>
+              <a:ext uri="{FF2B5EF4-FFF2-40B4-BE49-F238E27FC236}">
+                <a16:creationId xmlns:a16="http://schemas.microsoft.com/office/drawing/2014/main" id="{233EB1D9-4389-477A-8723-8187244D9802}"/>
+              </a:ext>
+            </a:extLst>
+          </p:cNvPr>
+          <p:cNvGrpSpPr/>
+          <p:nvPr/>
+        </p:nvGrpSpPr>
+        <p:grpSpPr>
+          <a:xfrm>
+            <a:off x="8040250" y="3928888"/>
+            <a:ext cx="2683168" cy="2022763"/>
+            <a:chOff x="7596909" y="2802074"/>
+            <a:chExt cx="2336800" cy="2022763"/>
+          </a:xfrm>
+        </p:grpSpPr>
+        <p:sp>
+          <p:nvSpPr>
+            <p:cNvPr id="16" name="Rectangle 15">
+              <a:extLst>
+                <a:ext uri="{FF2B5EF4-FFF2-40B4-BE49-F238E27FC236}">
+                  <a16:creationId xmlns:a16="http://schemas.microsoft.com/office/drawing/2014/main" id="{D1D16982-2892-48A1-936E-A0C5D46795C9}"/>
+                </a:ext>
+              </a:extLst>
+            </p:cNvPr>
+            <p:cNvSpPr/>
+            <p:nvPr/>
+          </p:nvSpPr>
+          <p:spPr>
+            <a:xfrm>
+              <a:off x="7596909" y="2802074"/>
+              <a:ext cx="2336800" cy="2022763"/>
+            </a:xfrm>
+            <a:prstGeom prst="rect">
+              <a:avLst/>
+            </a:prstGeom>
+            <a:solidFill>
+              <a:schemeClr val="accent4">
+                <a:lumMod val="75000"/>
+              </a:schemeClr>
+            </a:solidFill>
+          </p:spPr>
+          <p:style>
+            <a:lnRef idx="2">
+              <a:schemeClr val="accent1">
+                <a:shade val="50000"/>
+              </a:schemeClr>
+            </a:lnRef>
+            <a:fillRef idx="1">
+              <a:schemeClr val="accent1"/>
+            </a:fillRef>
+            <a:effectRef idx="0">
+              <a:schemeClr val="accent1"/>
+            </a:effectRef>
+            <a:fontRef idx="minor">
+              <a:schemeClr val="lt1"/>
+            </a:fontRef>
+          </p:style>
+          <p:txBody>
+            <a:bodyPr rtlCol="0" anchor="t"/>
+            <a:lstStyle/>
+            <a:p>
+              <a:pPr algn="ctr"/>
+              <a:r>
+                <a:rPr lang="en-AU" dirty="0" err="1"/>
+                <a:t>ThreadX</a:t>
+              </a:r>
+              <a:r>
+                <a:rPr lang="en-AU" dirty="0"/>
+                <a:t> Threads</a:t>
+              </a:r>
+            </a:p>
+          </p:txBody>
+        </p:sp>
+        <p:sp>
+          <p:nvSpPr>
+            <p:cNvPr id="11" name="Rectangle 10">
+              <a:extLst>
+                <a:ext uri="{FF2B5EF4-FFF2-40B4-BE49-F238E27FC236}">
+                  <a16:creationId xmlns:a16="http://schemas.microsoft.com/office/drawing/2014/main" id="{33A675FF-A957-49D1-A639-60770D65E456}"/>
+                </a:ext>
+              </a:extLst>
+            </p:cNvPr>
+            <p:cNvSpPr/>
+            <p:nvPr/>
+          </p:nvSpPr>
+          <p:spPr>
+            <a:xfrm>
+              <a:off x="7693891" y="3261583"/>
+              <a:ext cx="2142836" cy="397165"/>
+            </a:xfrm>
+            <a:prstGeom prst="rect">
+              <a:avLst/>
+            </a:prstGeom>
+            <a:solidFill>
+              <a:schemeClr val="accent4">
+                <a:lumMod val="75000"/>
+              </a:schemeClr>
+            </a:solidFill>
+          </p:spPr>
+          <p:style>
+            <a:lnRef idx="2">
+              <a:schemeClr val="accent1">
+                <a:shade val="50000"/>
+              </a:schemeClr>
+            </a:lnRef>
+            <a:fillRef idx="1">
+              <a:schemeClr val="accent1"/>
+            </a:fillRef>
+            <a:effectRef idx="0">
+              <a:schemeClr val="accent1"/>
+            </a:effectRef>
+            <a:fontRef idx="minor">
+              <a:schemeClr val="lt1"/>
+            </a:fontRef>
+          </p:style>
+          <p:txBody>
+            <a:bodyPr rtlCol="0" anchor="ctr"/>
+            <a:lstStyle/>
+            <a:p>
+              <a:pPr algn="ctr"/>
+              <a:r>
+                <a:rPr lang="en-AU" dirty="0"/>
+                <a:t>Ultrasonic Sensor</a:t>
+              </a:r>
+            </a:p>
+          </p:txBody>
+        </p:sp>
+        <p:sp>
+          <p:nvSpPr>
+            <p:cNvPr id="13" name="Rectangle 12">
+              <a:extLst>
+                <a:ext uri="{FF2B5EF4-FFF2-40B4-BE49-F238E27FC236}">
+                  <a16:creationId xmlns:a16="http://schemas.microsoft.com/office/drawing/2014/main" id="{7267CA8E-E558-455C-B24E-9FB2EC3DF1A3}"/>
+                </a:ext>
+              </a:extLst>
+            </p:cNvPr>
+            <p:cNvSpPr/>
+            <p:nvPr/>
+          </p:nvSpPr>
+          <p:spPr>
+            <a:xfrm>
+              <a:off x="7693891" y="3786037"/>
+              <a:ext cx="2142836" cy="397165"/>
+            </a:xfrm>
+            <a:prstGeom prst="rect">
+              <a:avLst/>
+            </a:prstGeom>
+            <a:solidFill>
+              <a:schemeClr val="accent4">
+                <a:lumMod val="75000"/>
+              </a:schemeClr>
+            </a:solidFill>
+          </p:spPr>
+          <p:style>
+            <a:lnRef idx="2">
+              <a:schemeClr val="accent1">
+                <a:shade val="50000"/>
+              </a:schemeClr>
+            </a:lnRef>
+            <a:fillRef idx="1">
+              <a:schemeClr val="accent1"/>
+            </a:fillRef>
+            <a:effectRef idx="0">
+              <a:schemeClr val="accent1"/>
+            </a:effectRef>
+            <a:fontRef idx="minor">
+              <a:schemeClr val="lt1"/>
+            </a:fontRef>
+          </p:style>
+          <p:txBody>
+            <a:bodyPr rtlCol="0" anchor="ctr"/>
+            <a:lstStyle/>
+            <a:p>
+              <a:pPr algn="ctr"/>
+              <a:r>
+                <a:rPr lang="en-AU" dirty="0"/>
+                <a:t>Outbound Messages</a:t>
+              </a:r>
+            </a:p>
+          </p:txBody>
+        </p:sp>
+        <p:sp>
+          <p:nvSpPr>
+            <p:cNvPr id="15" name="Rectangle 14">
+              <a:extLst>
+                <a:ext uri="{FF2B5EF4-FFF2-40B4-BE49-F238E27FC236}">
+                  <a16:creationId xmlns:a16="http://schemas.microsoft.com/office/drawing/2014/main" id="{0F012F46-AFA7-425F-84A5-DCBEC0736FD4}"/>
+                </a:ext>
+              </a:extLst>
+            </p:cNvPr>
+            <p:cNvSpPr/>
+            <p:nvPr/>
+          </p:nvSpPr>
+          <p:spPr>
+            <a:xfrm>
+              <a:off x="7693891" y="4310491"/>
+              <a:ext cx="2142836" cy="397165"/>
+            </a:xfrm>
+            <a:prstGeom prst="rect">
+              <a:avLst/>
+            </a:prstGeom>
+            <a:solidFill>
+              <a:schemeClr val="accent4">
+                <a:lumMod val="75000"/>
+              </a:schemeClr>
+            </a:solidFill>
+          </p:spPr>
+          <p:style>
+            <a:lnRef idx="2">
+              <a:schemeClr val="accent1">
+                <a:shade val="50000"/>
+              </a:schemeClr>
+            </a:lnRef>
+            <a:fillRef idx="1">
+              <a:schemeClr val="accent1"/>
+            </a:fillRef>
+            <a:effectRef idx="0">
+              <a:schemeClr val="accent1"/>
+            </a:effectRef>
+            <a:fontRef idx="minor">
+              <a:schemeClr val="lt1"/>
+            </a:fontRef>
+          </p:style>
+          <p:txBody>
+            <a:bodyPr rtlCol="0" anchor="ctr"/>
+            <a:lstStyle/>
+            <a:p>
+              <a:pPr algn="ctr"/>
+              <a:r>
+                <a:rPr lang="en-AU" dirty="0"/>
+                <a:t>Inbound Messages</a:t>
+              </a:r>
+            </a:p>
+          </p:txBody>
+        </p:sp>
+      </p:grpSp>
+      <p:sp>
+        <p:nvSpPr>
+          <p:cNvPr id="17" name="Arrow: Right 16">
+            <a:extLst>
+              <a:ext uri="{FF2B5EF4-FFF2-40B4-BE49-F238E27FC236}">
+                <a16:creationId xmlns:a16="http://schemas.microsoft.com/office/drawing/2014/main" id="{F3F2C42A-11CB-4F5B-A632-34BA3D135BCB}"/>
+              </a:ext>
+            </a:extLst>
+          </p:cNvPr>
+          <p:cNvSpPr/>
+          <p:nvPr/>
+        </p:nvSpPr>
+        <p:spPr>
+          <a:xfrm rot="10800000">
+            <a:off x="6912228" y="4912275"/>
+            <a:ext cx="1125641" cy="397165"/>
+          </a:xfrm>
+          <a:prstGeom prst="rightArrow">
+            <a:avLst/>
+          </a:prstGeom>
+          <a:gradFill flip="none" rotWithShape="1">
+            <a:gsLst>
+              <a:gs pos="0">
+                <a:schemeClr val="accent6">
+                  <a:lumMod val="60000"/>
+                  <a:lumOff val="40000"/>
+                  <a:shade val="30000"/>
+                  <a:satMod val="115000"/>
+                </a:schemeClr>
+              </a:gs>
+              <a:gs pos="50000">
+                <a:schemeClr val="accent6">
+                  <a:lumMod val="60000"/>
+                  <a:lumOff val="40000"/>
+                  <a:shade val="67500"/>
+                  <a:satMod val="115000"/>
+                </a:schemeClr>
+              </a:gs>
+              <a:gs pos="100000">
+                <a:schemeClr val="accent6">
+                  <a:lumMod val="60000"/>
+                  <a:lumOff val="40000"/>
+                  <a:shade val="100000"/>
+                  <a:satMod val="115000"/>
+                </a:schemeClr>
+              </a:gs>
+            </a:gsLst>
+            <a:lin ang="2700000" scaled="1"/>
+            <a:tileRect/>
+          </a:gradFill>
+          <a:ln>
+            <a:solidFill>
+              <a:srgbClr val="92D050"/>
+            </a:solidFill>
+          </a:ln>
+        </p:spPr>
+        <p:style>
+          <a:lnRef idx="2">
+            <a:schemeClr val="accent1">
+              <a:shade val="50000"/>
+            </a:schemeClr>
+          </a:lnRef>
+          <a:fillRef idx="1">
+            <a:schemeClr val="accent1"/>
+          </a:fillRef>
+          <a:effectRef idx="0">
+            <a:schemeClr val="accent1"/>
+          </a:effectRef>
+          <a:fontRef idx="minor">
+            <a:schemeClr val="lt1"/>
+          </a:fontRef>
+        </p:style>
+        <p:txBody>
+          <a:bodyPr rtlCol="0" anchor="ctr"/>
+          <a:lstStyle/>
+          <a:p>
+            <a:pPr algn="ctr"/>
+            <a:endParaRPr lang="en-AU"/>
+          </a:p>
+        </p:txBody>
+      </p:sp>
+      <p:sp>
+        <p:nvSpPr>
+          <p:cNvPr id="19" name="Arrow: Right 18">
+            <a:extLst>
+              <a:ext uri="{FF2B5EF4-FFF2-40B4-BE49-F238E27FC236}">
+                <a16:creationId xmlns:a16="http://schemas.microsoft.com/office/drawing/2014/main" id="{BC7FCA1F-55EA-4BDA-82A6-F445A46C1976}"/>
+              </a:ext>
+            </a:extLst>
+          </p:cNvPr>
+          <p:cNvSpPr/>
+          <p:nvPr/>
+        </p:nvSpPr>
+        <p:spPr>
+          <a:xfrm>
+            <a:off x="6912228" y="5421143"/>
+            <a:ext cx="1116116" cy="397165"/>
+          </a:xfrm>
+          <a:prstGeom prst="rightArrow">
+            <a:avLst/>
+          </a:prstGeom>
+          <a:gradFill flip="none" rotWithShape="1">
+            <a:gsLst>
+              <a:gs pos="0">
+                <a:schemeClr val="accent6">
+                  <a:lumMod val="60000"/>
+                  <a:lumOff val="40000"/>
+                  <a:shade val="30000"/>
+                  <a:satMod val="115000"/>
+                </a:schemeClr>
+              </a:gs>
+              <a:gs pos="50000">
+                <a:schemeClr val="accent6">
+                  <a:lumMod val="60000"/>
+                  <a:lumOff val="40000"/>
+                  <a:shade val="67500"/>
+                  <a:satMod val="115000"/>
+                </a:schemeClr>
+              </a:gs>
+              <a:gs pos="100000">
+                <a:schemeClr val="accent6">
+                  <a:lumMod val="60000"/>
+                  <a:lumOff val="40000"/>
+                  <a:shade val="100000"/>
+                  <a:satMod val="115000"/>
+                </a:schemeClr>
+              </a:gs>
+            </a:gsLst>
+            <a:lin ang="2700000" scaled="1"/>
+            <a:tileRect/>
+          </a:gradFill>
+          <a:ln>
+            <a:solidFill>
+              <a:srgbClr val="92D050"/>
+            </a:solidFill>
+          </a:ln>
+        </p:spPr>
+        <p:style>
+          <a:lnRef idx="2">
+            <a:schemeClr val="accent1">
+              <a:shade val="50000"/>
+            </a:schemeClr>
+          </a:lnRef>
+          <a:fillRef idx="1">
+            <a:schemeClr val="accent1"/>
+          </a:fillRef>
+          <a:effectRef idx="0">
+            <a:schemeClr val="accent1"/>
+          </a:effectRef>
+          <a:fontRef idx="minor">
+            <a:schemeClr val="lt1"/>
+          </a:fontRef>
+        </p:style>
+        <p:txBody>
+          <a:bodyPr rtlCol="0" anchor="ctr"/>
+          <a:lstStyle/>
+          <a:p>
+            <a:pPr algn="ctr"/>
+            <a:endParaRPr lang="en-AU"/>
+          </a:p>
+        </p:txBody>
+      </p:sp>
+      <p:sp>
+        <p:nvSpPr>
+          <p:cNvPr id="21" name="Rectangle 20">
+            <a:extLst>
+              <a:ext uri="{FF2B5EF4-FFF2-40B4-BE49-F238E27FC236}">
+                <a16:creationId xmlns:a16="http://schemas.microsoft.com/office/drawing/2014/main" id="{368D7084-526A-401C-9297-20B335C4F97E}"/>
+              </a:ext>
+            </a:extLst>
+          </p:cNvPr>
+          <p:cNvSpPr/>
+          <p:nvPr/>
+        </p:nvSpPr>
+        <p:spPr>
+          <a:xfrm>
+            <a:off x="1163786" y="3463760"/>
+            <a:ext cx="3267353" cy="2678546"/>
+          </a:xfrm>
+          <a:prstGeom prst="rect">
+            <a:avLst/>
+          </a:prstGeom>
+        </p:spPr>
+        <p:style>
+          <a:lnRef idx="2">
+            <a:schemeClr val="accent1">
+              <a:shade val="50000"/>
+            </a:schemeClr>
+          </a:lnRef>
+          <a:fillRef idx="1">
+            <a:schemeClr val="accent1"/>
+          </a:fillRef>
+          <a:effectRef idx="0">
+            <a:schemeClr val="accent1"/>
+          </a:effectRef>
+          <a:fontRef idx="minor">
+            <a:schemeClr val="lt1"/>
+          </a:fontRef>
+        </p:style>
+        <p:txBody>
+          <a:bodyPr rtlCol="0" anchor="t"/>
+          <a:lstStyle/>
+          <a:p>
+            <a:pPr algn="ctr"/>
+            <a:r>
+              <a:rPr lang="en-AU" dirty="0"/>
+              <a:t>High-level application</a:t>
+            </a:r>
+          </a:p>
+        </p:txBody>
+      </p:sp>
+      <p:sp>
+        <p:nvSpPr>
+          <p:cNvPr id="24" name="Rectangle 23">
+            <a:extLst>
+              <a:ext uri="{FF2B5EF4-FFF2-40B4-BE49-F238E27FC236}">
+                <a16:creationId xmlns:a16="http://schemas.microsoft.com/office/drawing/2014/main" id="{03498D9D-CAE0-4A4E-B5CF-2EB1356C1DD6}"/>
+              </a:ext>
+            </a:extLst>
+          </p:cNvPr>
+          <p:cNvSpPr/>
+          <p:nvPr/>
+        </p:nvSpPr>
+        <p:spPr>
+          <a:xfrm>
+            <a:off x="1468582" y="3915179"/>
+            <a:ext cx="2685322" cy="2022763"/>
+          </a:xfrm>
+          <a:prstGeom prst="rect">
+            <a:avLst/>
+          </a:prstGeom>
+          <a:solidFill>
+            <a:schemeClr val="accent4">
+              <a:lumMod val="75000"/>
+            </a:schemeClr>
+          </a:solidFill>
+        </p:spPr>
+        <p:style>
+          <a:lnRef idx="2">
+            <a:schemeClr val="accent1">
+              <a:shade val="50000"/>
+            </a:schemeClr>
+          </a:lnRef>
+          <a:fillRef idx="1">
+            <a:schemeClr val="accent1"/>
+          </a:fillRef>
+          <a:effectRef idx="0">
+            <a:schemeClr val="accent1"/>
+          </a:effectRef>
+          <a:fontRef idx="minor">
+            <a:schemeClr val="lt1"/>
+          </a:fontRef>
+        </p:style>
+        <p:txBody>
+          <a:bodyPr rtlCol="0" anchor="t"/>
+          <a:lstStyle/>
+          <a:p>
+            <a:pPr algn="ctr"/>
+            <a:endParaRPr lang="en-AU" dirty="0"/>
+          </a:p>
+        </p:txBody>
+      </p:sp>
+      <p:sp>
+        <p:nvSpPr>
+          <p:cNvPr id="26" name="Rectangle 25">
+            <a:extLst>
+              <a:ext uri="{FF2B5EF4-FFF2-40B4-BE49-F238E27FC236}">
+                <a16:creationId xmlns:a16="http://schemas.microsoft.com/office/drawing/2014/main" id="{4FF3B55D-A1A5-4E5E-AE50-BEC7935B232F}"/>
+              </a:ext>
+            </a:extLst>
+          </p:cNvPr>
+          <p:cNvSpPr/>
+          <p:nvPr/>
+        </p:nvSpPr>
+        <p:spPr>
+          <a:xfrm>
+            <a:off x="1560265" y="4061103"/>
+            <a:ext cx="2501956" cy="511320"/>
+          </a:xfrm>
+          <a:prstGeom prst="rect">
+            <a:avLst/>
+          </a:prstGeom>
+          <a:solidFill>
+            <a:schemeClr val="accent4">
+              <a:lumMod val="75000"/>
+            </a:schemeClr>
+          </a:solidFill>
+        </p:spPr>
+        <p:style>
+          <a:lnRef idx="2">
+            <a:schemeClr val="accent1">
+              <a:shade val="50000"/>
+            </a:schemeClr>
+          </a:lnRef>
+          <a:fillRef idx="1">
+            <a:schemeClr val="accent1"/>
+          </a:fillRef>
+          <a:effectRef idx="0">
+            <a:schemeClr val="accent1"/>
+          </a:effectRef>
+          <a:fontRef idx="minor">
+            <a:schemeClr val="lt1"/>
+          </a:fontRef>
+        </p:style>
+        <p:txBody>
+          <a:bodyPr rtlCol="0" anchor="ctr"/>
+          <a:lstStyle/>
+          <a:p>
+            <a:pPr algn="ctr"/>
+            <a:r>
+              <a:rPr lang="en-AU" sz="1600" dirty="0"/>
+              <a:t>Azure IoT Messages &amp; Device twins (direction)</a:t>
+            </a:r>
+          </a:p>
+        </p:txBody>
+      </p:sp>
+      <p:sp>
+        <p:nvSpPr>
+          <p:cNvPr id="27" name="Rectangle 26">
+            <a:extLst>
+              <a:ext uri="{FF2B5EF4-FFF2-40B4-BE49-F238E27FC236}">
+                <a16:creationId xmlns:a16="http://schemas.microsoft.com/office/drawing/2014/main" id="{58907554-F606-4AE0-BA3C-7EB7A64698F2}"/>
+              </a:ext>
+            </a:extLst>
+          </p:cNvPr>
+          <p:cNvSpPr/>
+          <p:nvPr/>
+        </p:nvSpPr>
+        <p:spPr>
+          <a:xfrm>
+            <a:off x="1560265" y="5303959"/>
+            <a:ext cx="2486476" cy="511320"/>
+          </a:xfrm>
+          <a:prstGeom prst="rect">
+            <a:avLst/>
+          </a:prstGeom>
+          <a:solidFill>
+            <a:schemeClr val="accent4">
+              <a:lumMod val="75000"/>
+            </a:schemeClr>
+          </a:solidFill>
+        </p:spPr>
+        <p:style>
+          <a:lnRef idx="2">
+            <a:schemeClr val="accent1">
+              <a:shade val="50000"/>
+            </a:schemeClr>
+          </a:lnRef>
+          <a:fillRef idx="1">
+            <a:schemeClr val="accent1"/>
+          </a:fillRef>
+          <a:effectRef idx="0">
+            <a:schemeClr val="accent1"/>
+          </a:effectRef>
+          <a:fontRef idx="minor">
+            <a:schemeClr val="lt1"/>
+          </a:fontRef>
+        </p:style>
+        <p:txBody>
+          <a:bodyPr rtlCol="0" anchor="ctr"/>
+          <a:lstStyle/>
+          <a:p>
+            <a:pPr algn="ctr"/>
+            <a:r>
+              <a:rPr lang="en-AU" sz="1600" dirty="0"/>
+              <a:t>Real-time core heartbeat</a:t>
+            </a:r>
+          </a:p>
+        </p:txBody>
+      </p:sp>
+      <p:sp>
+        <p:nvSpPr>
+          <p:cNvPr id="29" name="Arrow: Right 28">
+            <a:extLst>
+              <a:ext uri="{FF2B5EF4-FFF2-40B4-BE49-F238E27FC236}">
+                <a16:creationId xmlns:a16="http://schemas.microsoft.com/office/drawing/2014/main" id="{E4A01096-1B91-4199-BCD6-B0D5178EEB32}"/>
+              </a:ext>
+            </a:extLst>
+          </p:cNvPr>
+          <p:cNvSpPr/>
+          <p:nvPr/>
+        </p:nvSpPr>
+        <p:spPr>
+          <a:xfrm>
+            <a:off x="4153976" y="5333979"/>
+            <a:ext cx="1125793" cy="397165"/>
+          </a:xfrm>
+          <a:prstGeom prst="rightArrow">
+            <a:avLst/>
+          </a:prstGeom>
+          <a:gradFill flip="none" rotWithShape="1">
+            <a:gsLst>
+              <a:gs pos="0">
+                <a:schemeClr val="accent6">
+                  <a:lumMod val="60000"/>
+                  <a:lumOff val="40000"/>
+                  <a:shade val="30000"/>
+                  <a:satMod val="115000"/>
+                </a:schemeClr>
+              </a:gs>
+              <a:gs pos="50000">
+                <a:schemeClr val="accent6">
+                  <a:lumMod val="60000"/>
+                  <a:lumOff val="40000"/>
+                  <a:shade val="67500"/>
+                  <a:satMod val="115000"/>
+                </a:schemeClr>
+              </a:gs>
+              <a:gs pos="100000">
+                <a:schemeClr val="accent6">
+                  <a:lumMod val="60000"/>
+                  <a:lumOff val="40000"/>
+                  <a:shade val="100000"/>
+                  <a:satMod val="115000"/>
+                </a:schemeClr>
+              </a:gs>
+            </a:gsLst>
+            <a:lin ang="2700000" scaled="1"/>
+            <a:tileRect/>
+          </a:gradFill>
+          <a:ln>
+            <a:solidFill>
+              <a:srgbClr val="92D050"/>
+            </a:solidFill>
+          </a:ln>
+        </p:spPr>
+        <p:style>
+          <a:lnRef idx="2">
+            <a:schemeClr val="accent1">
+              <a:shade val="50000"/>
+            </a:schemeClr>
+          </a:lnRef>
+          <a:fillRef idx="1">
+            <a:schemeClr val="accent1"/>
+          </a:fillRef>
+          <a:effectRef idx="0">
+            <a:schemeClr val="accent1"/>
+          </a:effectRef>
+          <a:fontRef idx="minor">
+            <a:schemeClr val="lt1"/>
+          </a:fontRef>
+        </p:style>
+        <p:txBody>
+          <a:bodyPr rtlCol="0" anchor="ctr"/>
+          <a:lstStyle/>
+          <a:p>
+            <a:pPr algn="ctr"/>
+            <a:endParaRPr lang="en-AU"/>
+          </a:p>
+        </p:txBody>
+      </p:sp>
+      <p:sp>
+        <p:nvSpPr>
+          <p:cNvPr id="31" name="Arrow: Right 30">
+            <a:extLst>
+              <a:ext uri="{FF2B5EF4-FFF2-40B4-BE49-F238E27FC236}">
+                <a16:creationId xmlns:a16="http://schemas.microsoft.com/office/drawing/2014/main" id="{B80D5D83-99D1-4E9E-B808-D66D259219E9}"/>
+              </a:ext>
+            </a:extLst>
+          </p:cNvPr>
+          <p:cNvSpPr/>
+          <p:nvPr/>
+        </p:nvSpPr>
+        <p:spPr>
+          <a:xfrm rot="10800000">
+            <a:off x="4156904" y="4129040"/>
+            <a:ext cx="1122866" cy="397165"/>
+          </a:xfrm>
+          <a:prstGeom prst="rightArrow">
+            <a:avLst/>
+          </a:prstGeom>
+          <a:gradFill flip="none" rotWithShape="1">
+            <a:gsLst>
+              <a:gs pos="0">
+                <a:schemeClr val="accent6">
+                  <a:lumMod val="60000"/>
+                  <a:lumOff val="40000"/>
+                  <a:shade val="30000"/>
+                  <a:satMod val="115000"/>
+                </a:schemeClr>
+              </a:gs>
+              <a:gs pos="50000">
+                <a:schemeClr val="accent6">
+                  <a:lumMod val="60000"/>
+                  <a:lumOff val="40000"/>
+                  <a:shade val="67500"/>
+                  <a:satMod val="115000"/>
+                </a:schemeClr>
+              </a:gs>
+              <a:gs pos="100000">
+                <a:schemeClr val="accent6">
+                  <a:lumMod val="60000"/>
+                  <a:lumOff val="40000"/>
+                  <a:shade val="100000"/>
+                  <a:satMod val="115000"/>
+                </a:schemeClr>
+              </a:gs>
+            </a:gsLst>
+            <a:lin ang="2700000" scaled="1"/>
+            <a:tileRect/>
+          </a:gradFill>
+          <a:ln>
+            <a:solidFill>
+              <a:srgbClr val="92D050"/>
+            </a:solidFill>
+          </a:ln>
+        </p:spPr>
+        <p:style>
+          <a:lnRef idx="2">
+            <a:schemeClr val="accent1">
+              <a:shade val="50000"/>
+            </a:schemeClr>
+          </a:lnRef>
+          <a:fillRef idx="1">
+            <a:schemeClr val="accent1"/>
+          </a:fillRef>
+          <a:effectRef idx="0">
+            <a:schemeClr val="accent1"/>
+          </a:effectRef>
+          <a:fontRef idx="minor">
+            <a:schemeClr val="lt1"/>
+          </a:fontRef>
+        </p:style>
+        <p:txBody>
+          <a:bodyPr rtlCol="0" anchor="ctr"/>
+          <a:lstStyle/>
+          <a:p>
+            <a:pPr algn="ctr"/>
+            <a:endParaRPr lang="en-AU"/>
+          </a:p>
+        </p:txBody>
+      </p:sp>
+      <p:sp>
+        <p:nvSpPr>
+          <p:cNvPr id="33" name="Rectangle 32">
+            <a:extLst>
+              <a:ext uri="{FF2B5EF4-FFF2-40B4-BE49-F238E27FC236}">
+                <a16:creationId xmlns:a16="http://schemas.microsoft.com/office/drawing/2014/main" id="{47FE6854-5FB4-4D1F-98BA-385AA68519ED}"/>
+              </a:ext>
+            </a:extLst>
+          </p:cNvPr>
+          <p:cNvSpPr/>
+          <p:nvPr/>
+        </p:nvSpPr>
+        <p:spPr>
+          <a:xfrm>
+            <a:off x="378690" y="1302327"/>
+            <a:ext cx="6047353" cy="817758"/>
+          </a:xfrm>
+          <a:prstGeom prst="rect">
+            <a:avLst/>
+          </a:prstGeom>
+          <a:gradFill flip="none" rotWithShape="1">
+            <a:gsLst>
+              <a:gs pos="0">
+                <a:schemeClr val="accent5">
+                  <a:lumMod val="60000"/>
+                  <a:lumOff val="40000"/>
+                  <a:shade val="30000"/>
+                  <a:satMod val="115000"/>
+                </a:schemeClr>
+              </a:gs>
+              <a:gs pos="50000">
+                <a:schemeClr val="accent5">
+                  <a:lumMod val="60000"/>
+                  <a:lumOff val="40000"/>
+                  <a:shade val="67500"/>
+                  <a:satMod val="115000"/>
+                </a:schemeClr>
+              </a:gs>
+              <a:gs pos="100000">
+                <a:schemeClr val="accent5">
+                  <a:lumMod val="60000"/>
+                  <a:lumOff val="40000"/>
+                  <a:shade val="100000"/>
+                  <a:satMod val="115000"/>
+                </a:schemeClr>
+              </a:gs>
+            </a:gsLst>
+            <a:lin ang="2700000" scaled="1"/>
+            <a:tileRect/>
+          </a:gradFill>
+        </p:spPr>
+        <p:style>
+          <a:lnRef idx="2">
+            <a:schemeClr val="accent1">
+              <a:shade val="50000"/>
+            </a:schemeClr>
+          </a:lnRef>
+          <a:fillRef idx="1">
+            <a:schemeClr val="accent1"/>
+          </a:fillRef>
+          <a:effectRef idx="0">
+            <a:schemeClr val="accent1"/>
+          </a:effectRef>
+          <a:fontRef idx="minor">
+            <a:schemeClr val="lt1"/>
+          </a:fontRef>
+        </p:style>
+        <p:txBody>
+          <a:bodyPr rtlCol="0" anchor="ctr"/>
+          <a:lstStyle/>
+          <a:p>
+            <a:pPr algn="ctr"/>
+            <a:r>
+              <a:rPr lang="en-AU" dirty="0"/>
+              <a:t>Azure IoT </a:t>
+            </a:r>
+          </a:p>
+          <a:p>
+            <a:pPr algn="ctr"/>
+            <a:r>
+              <a:rPr lang="en-AU" dirty="0"/>
+              <a:t>Messaging, Device twins, and Direct methods</a:t>
+            </a:r>
+          </a:p>
+        </p:txBody>
+      </p:sp>
+      <p:sp>
+        <p:nvSpPr>
+          <p:cNvPr id="34" name="Rectangle 33">
+            <a:extLst>
+              <a:ext uri="{FF2B5EF4-FFF2-40B4-BE49-F238E27FC236}">
+                <a16:creationId xmlns:a16="http://schemas.microsoft.com/office/drawing/2014/main" id="{09F31D88-CC8E-4859-AE4C-A85FA288AC25}"/>
+              </a:ext>
+            </a:extLst>
+          </p:cNvPr>
+          <p:cNvSpPr/>
+          <p:nvPr/>
+        </p:nvSpPr>
+        <p:spPr>
+          <a:xfrm>
+            <a:off x="378691" y="249531"/>
+            <a:ext cx="6047354" cy="877325"/>
+          </a:xfrm>
+          <a:prstGeom prst="rect">
+            <a:avLst/>
+          </a:prstGeom>
+          <a:gradFill flip="none" rotWithShape="1">
+            <a:gsLst>
+              <a:gs pos="0">
+                <a:schemeClr val="accent1">
+                  <a:lumMod val="40000"/>
+                  <a:lumOff val="60000"/>
+                  <a:shade val="30000"/>
+                  <a:satMod val="115000"/>
+                </a:schemeClr>
+              </a:gs>
+              <a:gs pos="50000">
+                <a:schemeClr val="accent1">
+                  <a:lumMod val="40000"/>
+                  <a:lumOff val="60000"/>
+                  <a:shade val="67500"/>
+                  <a:satMod val="115000"/>
+                </a:schemeClr>
+              </a:gs>
+              <a:gs pos="100000">
+                <a:schemeClr val="accent1">
+                  <a:lumMod val="40000"/>
+                  <a:lumOff val="60000"/>
+                  <a:shade val="100000"/>
+                  <a:satMod val="115000"/>
+                </a:schemeClr>
+              </a:gs>
+            </a:gsLst>
+            <a:lin ang="2700000" scaled="1"/>
+            <a:tileRect/>
+          </a:gradFill>
+        </p:spPr>
+        <p:style>
+          <a:lnRef idx="2">
+            <a:schemeClr val="accent1">
+              <a:shade val="50000"/>
+            </a:schemeClr>
+          </a:lnRef>
+          <a:fillRef idx="1">
+            <a:schemeClr val="accent1"/>
+          </a:fillRef>
+          <a:effectRef idx="0">
+            <a:schemeClr val="accent1"/>
+          </a:effectRef>
+          <a:fontRef idx="minor">
+            <a:schemeClr val="lt1"/>
+          </a:fontRef>
+        </p:style>
+        <p:txBody>
+          <a:bodyPr rtlCol="0" anchor="ctr"/>
+          <a:lstStyle/>
+          <a:p>
+            <a:pPr algn="ctr"/>
+            <a:r>
+              <a:rPr lang="en-AU" dirty="0"/>
+              <a:t>Azure IoT Central </a:t>
+            </a:r>
+          </a:p>
+          <a:p>
+            <a:pPr algn="ctr"/>
+            <a:r>
+              <a:rPr lang="en-AU" dirty="0"/>
+              <a:t>Device templates, Charts, Time series analytics, Rules</a:t>
+            </a:r>
+          </a:p>
+        </p:txBody>
+      </p:sp>
+      <p:sp>
+        <p:nvSpPr>
+          <p:cNvPr id="36" name="Rectangle 35">
+            <a:extLst>
+              <a:ext uri="{FF2B5EF4-FFF2-40B4-BE49-F238E27FC236}">
+                <a16:creationId xmlns:a16="http://schemas.microsoft.com/office/drawing/2014/main" id="{0ED69E2F-BE17-490B-8541-9D2DF5250FA8}"/>
+              </a:ext>
+            </a:extLst>
+          </p:cNvPr>
+          <p:cNvSpPr/>
+          <p:nvPr/>
+        </p:nvSpPr>
+        <p:spPr>
+          <a:xfrm>
+            <a:off x="1560265" y="4682531"/>
+            <a:ext cx="2484167" cy="511320"/>
+          </a:xfrm>
+          <a:prstGeom prst="rect">
+            <a:avLst/>
+          </a:prstGeom>
+          <a:solidFill>
+            <a:schemeClr val="accent4">
+              <a:lumMod val="75000"/>
+            </a:schemeClr>
+          </a:solidFill>
+        </p:spPr>
+        <p:style>
+          <a:lnRef idx="2">
+            <a:schemeClr val="accent1">
+              <a:shade val="50000"/>
+            </a:schemeClr>
+          </a:lnRef>
+          <a:fillRef idx="1">
+            <a:schemeClr val="accent1"/>
+          </a:fillRef>
+          <a:effectRef idx="0">
+            <a:schemeClr val="accent1"/>
+          </a:effectRef>
+          <a:fontRef idx="minor">
+            <a:schemeClr val="lt1"/>
+          </a:fontRef>
+        </p:style>
+        <p:txBody>
+          <a:bodyPr rtlCol="0" anchor="ctr"/>
+          <a:lstStyle/>
+          <a:p>
+            <a:pPr algn="ctr"/>
+            <a:r>
+              <a:rPr lang="en-AU" sz="1600" dirty="0"/>
+              <a:t>Azure IoT </a:t>
+            </a:r>
+          </a:p>
+          <a:p>
+            <a:pPr algn="ctr"/>
+            <a:r>
+              <a:rPr lang="en-AU" sz="1600" dirty="0"/>
+              <a:t>Direct methods (stop/start)</a:t>
+            </a:r>
+          </a:p>
+        </p:txBody>
+      </p:sp>
+      <p:sp>
+        <p:nvSpPr>
+          <p:cNvPr id="38" name="Arrow: Right 37">
+            <a:extLst>
+              <a:ext uri="{FF2B5EF4-FFF2-40B4-BE49-F238E27FC236}">
+                <a16:creationId xmlns:a16="http://schemas.microsoft.com/office/drawing/2014/main" id="{EC70B75D-911A-4069-978A-5C20B1E2AA07}"/>
+              </a:ext>
+            </a:extLst>
+          </p:cNvPr>
+          <p:cNvSpPr/>
+          <p:nvPr/>
+        </p:nvSpPr>
+        <p:spPr>
+          <a:xfrm>
+            <a:off x="4153976" y="4724234"/>
+            <a:ext cx="1118931" cy="397165"/>
+          </a:xfrm>
+          <a:prstGeom prst="rightArrow">
+            <a:avLst/>
+          </a:prstGeom>
+          <a:gradFill flip="none" rotWithShape="1">
+            <a:gsLst>
+              <a:gs pos="0">
+                <a:schemeClr val="accent6">
+                  <a:lumMod val="60000"/>
+                  <a:lumOff val="40000"/>
+                  <a:shade val="30000"/>
+                  <a:satMod val="115000"/>
+                </a:schemeClr>
+              </a:gs>
+              <a:gs pos="50000">
+                <a:schemeClr val="accent6">
+                  <a:lumMod val="60000"/>
+                  <a:lumOff val="40000"/>
+                  <a:shade val="67500"/>
+                  <a:satMod val="115000"/>
+                </a:schemeClr>
+              </a:gs>
+              <a:gs pos="100000">
+                <a:schemeClr val="accent6">
+                  <a:lumMod val="60000"/>
+                  <a:lumOff val="40000"/>
+                  <a:shade val="100000"/>
+                  <a:satMod val="115000"/>
+                </a:schemeClr>
+              </a:gs>
+            </a:gsLst>
+            <a:lin ang="2700000" scaled="1"/>
+            <a:tileRect/>
+          </a:gradFill>
+          <a:ln>
+            <a:solidFill>
+              <a:srgbClr val="92D050"/>
+            </a:solidFill>
+          </a:ln>
+        </p:spPr>
+        <p:style>
+          <a:lnRef idx="2">
+            <a:schemeClr val="accent1">
+              <a:shade val="50000"/>
+            </a:schemeClr>
+          </a:lnRef>
+          <a:fillRef idx="1">
+            <a:schemeClr val="accent1"/>
+          </a:fillRef>
+          <a:effectRef idx="0">
+            <a:schemeClr val="accent1"/>
+          </a:effectRef>
+          <a:fontRef idx="minor">
+            <a:schemeClr val="lt1"/>
+          </a:fontRef>
+        </p:style>
+        <p:txBody>
+          <a:bodyPr rtlCol="0" anchor="ctr"/>
+          <a:lstStyle/>
+          <a:p>
+            <a:pPr algn="ctr"/>
+            <a:endParaRPr lang="en-AU"/>
+          </a:p>
+        </p:txBody>
+      </p:sp>
+      <p:pic>
+        <p:nvPicPr>
+          <p:cNvPr id="40" name="Picture 39">
+            <a:extLst>
+              <a:ext uri="{FF2B5EF4-FFF2-40B4-BE49-F238E27FC236}">
+                <a16:creationId xmlns:a16="http://schemas.microsoft.com/office/drawing/2014/main" id="{C8682AFF-F7F2-46A3-8D7D-9CF86A809F27}"/>
+              </a:ext>
+            </a:extLst>
+          </p:cNvPr>
+          <p:cNvPicPr>
+            <a:picLocks noChangeAspect="1"/>
+          </p:cNvPicPr>
+          <p:nvPr/>
+        </p:nvPicPr>
+        <p:blipFill>
+          <a:blip r:embed="rId2"/>
+          <a:stretch>
+            <a:fillRect/>
+          </a:stretch>
+        </p:blipFill>
+        <p:spPr>
+          <a:xfrm>
+            <a:off x="6645985" y="237178"/>
+            <a:ext cx="2633963" cy="1882320"/>
+          </a:xfrm>
+          <a:prstGeom prst="rect">
+            <a:avLst/>
+          </a:prstGeom>
+        </p:spPr>
+      </p:pic>
+      <p:pic>
+        <p:nvPicPr>
+          <p:cNvPr id="42" name="Picture 41" descr="A close up of electronics&#10;&#10;Description automatically generated">
+            <a:extLst>
+              <a:ext uri="{FF2B5EF4-FFF2-40B4-BE49-F238E27FC236}">
+                <a16:creationId xmlns:a16="http://schemas.microsoft.com/office/drawing/2014/main" id="{5FD23C09-EFB6-4BCB-89C9-C328B4114CE9}"/>
+              </a:ext>
+            </a:extLst>
+          </p:cNvPr>
+          <p:cNvPicPr>
+            <a:picLocks noChangeAspect="1"/>
+          </p:cNvPicPr>
+          <p:nvPr/>
+        </p:nvPicPr>
+        <p:blipFill rotWithShape="1">
+          <a:blip r:embed="rId3">
+            <a:extLst>
+              <a:ext uri="{28A0092B-C50C-407E-A947-70E740481C1C}">
+                <a14:useLocalDpi xmlns:a14="http://schemas.microsoft.com/office/drawing/2010/main" val="0"/>
+              </a:ext>
+            </a:extLst>
+          </a:blip>
+          <a:srcRect l="11049" r="8327"/>
+          <a:stretch/>
+        </p:blipFill>
+        <p:spPr>
+          <a:xfrm>
+            <a:off x="9499888" y="246357"/>
+            <a:ext cx="2276475" cy="1885700"/>
+          </a:xfrm>
+          <a:prstGeom prst="rect">
+            <a:avLst/>
+          </a:prstGeom>
+        </p:spPr>
+      </p:pic>
+    </p:spTree>
+    <p:extLst>
+      <p:ext uri="{BB962C8B-B14F-4D97-AF65-F5344CB8AC3E}">
+        <p14:creationId xmlns:p14="http://schemas.microsoft.com/office/powerpoint/2010/main" val="1283269300"/>
+      </p:ext>
+    </p:extLst>
+  </p:cSld>
+  <p:clrMapOvr>
+    <a:masterClrMapping/>
+  </p:clrMapOvr>
+</p:sld>
+</file>
+
+<file path=ppt/slides/slide5.xml><?xml version="1.0" encoding="utf-8"?>
+<p:sld xmlns:a="http://schemas.openxmlformats.org/drawingml/2006/main" xmlns:r="http://schemas.openxmlformats.org/officeDocument/2006/relationships" xmlns:p="http://schemas.openxmlformats.org/presentationml/2006/main">
+  <p:cSld>
+    <p:spTree>
+      <p:nvGrpSpPr>
+        <p:cNvPr id="1" name=""/>
+        <p:cNvGrpSpPr/>
+        <p:nvPr/>
+      </p:nvGrpSpPr>
+      <p:grpSpPr>
+        <a:xfrm>
+          <a:off x="0" y="0"/>
+          <a:ext cx="0" cy="0"/>
+          <a:chOff x="0" y="0"/>
+          <a:chExt cx="0" cy="0"/>
+        </a:xfrm>
+      </p:grpSpPr>
+      <p:sp>
+        <p:nvSpPr>
+          <p:cNvPr id="2" name="Rectangle 1">
+            <a:extLst>
+              <a:ext uri="{FF2B5EF4-FFF2-40B4-BE49-F238E27FC236}">
+                <a16:creationId xmlns:a16="http://schemas.microsoft.com/office/drawing/2014/main" id="{1E78961E-80D6-4CE5-B56C-2063A6632072}"/>
+              </a:ext>
+            </a:extLst>
+          </p:cNvPr>
+          <p:cNvSpPr/>
+          <p:nvPr/>
+        </p:nvSpPr>
+        <p:spPr>
+          <a:xfrm>
+            <a:off x="378690" y="2249032"/>
+            <a:ext cx="11397673" cy="4465786"/>
+          </a:xfrm>
+          <a:prstGeom prst="rect">
+            <a:avLst/>
+          </a:prstGeom>
+          <a:solidFill>
+            <a:schemeClr val="bg2">
+              <a:lumMod val="90000"/>
+            </a:schemeClr>
+          </a:solidFill>
+        </p:spPr>
+        <p:style>
+          <a:lnRef idx="2">
+            <a:schemeClr val="accent1">
+              <a:shade val="50000"/>
+            </a:schemeClr>
+          </a:lnRef>
+          <a:fillRef idx="1">
+            <a:schemeClr val="accent1"/>
+          </a:fillRef>
+          <a:effectRef idx="0">
+            <a:schemeClr val="accent1"/>
+          </a:effectRef>
+          <a:fontRef idx="minor">
+            <a:schemeClr val="lt1"/>
+          </a:fontRef>
+        </p:style>
+        <p:txBody>
+          <a:bodyPr rtlCol="0" anchor="t"/>
+          <a:lstStyle/>
+          <a:p>
+            <a:r>
+              <a:rPr lang="en-AU" dirty="0">
+                <a:solidFill>
+                  <a:schemeClr val="tx1"/>
+                </a:solidFill>
+              </a:rPr>
+              <a:t>Azure Sphere MT3620</a:t>
+            </a:r>
+          </a:p>
+        </p:txBody>
+      </p:sp>
+      <p:sp>
+        <p:nvSpPr>
+          <p:cNvPr id="3" name="Rectangle 2">
+            <a:extLst>
+              <a:ext uri="{FF2B5EF4-FFF2-40B4-BE49-F238E27FC236}">
+                <a16:creationId xmlns:a16="http://schemas.microsoft.com/office/drawing/2014/main" id="{1D02EFEE-E66C-4796-ACDB-D40750CDAD36}"/>
+              </a:ext>
+            </a:extLst>
+          </p:cNvPr>
+          <p:cNvSpPr/>
+          <p:nvPr/>
+        </p:nvSpPr>
+        <p:spPr>
+          <a:xfrm>
+            <a:off x="748145" y="2770887"/>
+            <a:ext cx="4066376" cy="3676077"/>
+          </a:xfrm>
+          <a:prstGeom prst="rect">
+            <a:avLst/>
+          </a:prstGeom>
+          <a:gradFill flip="none" rotWithShape="1">
+            <a:gsLst>
+              <a:gs pos="0">
+                <a:schemeClr val="bg2">
+                  <a:lumMod val="75000"/>
+                  <a:shade val="30000"/>
+                  <a:satMod val="115000"/>
+                </a:schemeClr>
+              </a:gs>
+              <a:gs pos="50000">
+                <a:schemeClr val="bg2">
+                  <a:lumMod val="75000"/>
+                  <a:shade val="67500"/>
+                  <a:satMod val="115000"/>
+                </a:schemeClr>
+              </a:gs>
+              <a:gs pos="100000">
+                <a:schemeClr val="bg2">
+                  <a:lumMod val="75000"/>
+                  <a:shade val="100000"/>
+                  <a:satMod val="115000"/>
+                </a:schemeClr>
+              </a:gs>
+            </a:gsLst>
+            <a:lin ang="2700000" scaled="1"/>
+            <a:tileRect/>
+          </a:gradFill>
+          <a:ln>
+            <a:solidFill>
+              <a:schemeClr val="bg2">
+                <a:lumMod val="75000"/>
+              </a:schemeClr>
+            </a:solidFill>
+          </a:ln>
+        </p:spPr>
+        <p:style>
+          <a:lnRef idx="2">
+            <a:schemeClr val="accent1">
+              <a:shade val="50000"/>
+            </a:schemeClr>
+          </a:lnRef>
+          <a:fillRef idx="1">
+            <a:schemeClr val="accent1"/>
+          </a:fillRef>
+          <a:effectRef idx="0">
+            <a:schemeClr val="accent1"/>
+          </a:effectRef>
+          <a:fontRef idx="minor">
+            <a:schemeClr val="lt1"/>
+          </a:fontRef>
+        </p:style>
+        <p:txBody>
+          <a:bodyPr rtlCol="0" anchor="t"/>
+          <a:lstStyle/>
+          <a:p>
+            <a:pPr algn="ctr"/>
+            <a:r>
+              <a:rPr lang="en-AU" dirty="0"/>
+              <a:t>Cortex A7 Application core</a:t>
+            </a:r>
+          </a:p>
+        </p:txBody>
+      </p:sp>
+      <p:sp>
+        <p:nvSpPr>
+          <p:cNvPr id="4" name="Rectangle 3">
+            <a:extLst>
+              <a:ext uri="{FF2B5EF4-FFF2-40B4-BE49-F238E27FC236}">
+                <a16:creationId xmlns:a16="http://schemas.microsoft.com/office/drawing/2014/main" id="{FF71B390-68A8-4AB1-9880-50BC3D081232}"/>
+              </a:ext>
+            </a:extLst>
+          </p:cNvPr>
+          <p:cNvSpPr/>
+          <p:nvPr/>
+        </p:nvSpPr>
+        <p:spPr>
+          <a:xfrm>
+            <a:off x="7370613" y="2770887"/>
+            <a:ext cx="4073241" cy="3676077"/>
+          </a:xfrm>
+          <a:prstGeom prst="rect">
+            <a:avLst/>
+          </a:prstGeom>
+          <a:gradFill flip="none" rotWithShape="1">
+            <a:gsLst>
+              <a:gs pos="0">
+                <a:schemeClr val="accent5">
+                  <a:lumMod val="75000"/>
+                  <a:shade val="30000"/>
+                  <a:satMod val="115000"/>
+                </a:schemeClr>
+              </a:gs>
+              <a:gs pos="50000">
+                <a:schemeClr val="accent5">
+                  <a:lumMod val="75000"/>
+                  <a:shade val="67500"/>
+                  <a:satMod val="115000"/>
+                </a:schemeClr>
+              </a:gs>
+              <a:gs pos="100000">
+                <a:schemeClr val="accent5">
+                  <a:lumMod val="75000"/>
+                  <a:shade val="100000"/>
+                  <a:satMod val="115000"/>
+                </a:schemeClr>
+              </a:gs>
+            </a:gsLst>
+            <a:lin ang="2700000" scaled="1"/>
+            <a:tileRect/>
+          </a:gradFill>
+        </p:spPr>
+        <p:style>
+          <a:lnRef idx="2">
+            <a:schemeClr val="accent1">
+              <a:shade val="50000"/>
+            </a:schemeClr>
+          </a:lnRef>
+          <a:fillRef idx="1">
+            <a:schemeClr val="accent1"/>
+          </a:fillRef>
+          <a:effectRef idx="0">
+            <a:schemeClr val="accent1"/>
+          </a:effectRef>
+          <a:fontRef idx="minor">
+            <a:schemeClr val="lt1"/>
+          </a:fontRef>
+        </p:style>
+        <p:txBody>
+          <a:bodyPr rtlCol="0" anchor="t"/>
+          <a:lstStyle/>
+          <a:p>
+            <a:pPr algn="ctr"/>
+            <a:r>
+              <a:rPr lang="en-AU" dirty="0"/>
+              <a:t>Cortex M4 Real-time core</a:t>
+            </a:r>
+          </a:p>
+        </p:txBody>
+      </p:sp>
+      <p:sp>
+        <p:nvSpPr>
+          <p:cNvPr id="5" name="Rectangle 4">
+            <a:extLst>
+              <a:ext uri="{FF2B5EF4-FFF2-40B4-BE49-F238E27FC236}">
+                <a16:creationId xmlns:a16="http://schemas.microsoft.com/office/drawing/2014/main" id="{CE81BE68-8510-47F5-A9CE-2156D3DF9045}"/>
+              </a:ext>
+            </a:extLst>
+          </p:cNvPr>
+          <p:cNvSpPr/>
+          <p:nvPr/>
+        </p:nvSpPr>
+        <p:spPr>
+          <a:xfrm>
+            <a:off x="5279771" y="2770887"/>
+            <a:ext cx="1632457" cy="3676078"/>
+          </a:xfrm>
+          <a:prstGeom prst="rect">
+            <a:avLst/>
+          </a:prstGeom>
+          <a:gradFill flip="none" rotWithShape="1">
+            <a:gsLst>
+              <a:gs pos="0">
+                <a:schemeClr val="accent6">
+                  <a:lumMod val="60000"/>
+                  <a:lumOff val="40000"/>
+                  <a:shade val="30000"/>
+                  <a:satMod val="115000"/>
+                </a:schemeClr>
+              </a:gs>
+              <a:gs pos="50000">
+                <a:schemeClr val="accent6">
+                  <a:lumMod val="60000"/>
+                  <a:lumOff val="40000"/>
+                  <a:shade val="67500"/>
+                  <a:satMod val="115000"/>
+                </a:schemeClr>
+              </a:gs>
+              <a:gs pos="100000">
+                <a:schemeClr val="accent6">
+                  <a:lumMod val="60000"/>
+                  <a:lumOff val="40000"/>
+                  <a:shade val="100000"/>
+                  <a:satMod val="115000"/>
+                </a:schemeClr>
+              </a:gs>
+            </a:gsLst>
+            <a:lin ang="2700000" scaled="1"/>
+            <a:tileRect/>
+          </a:gradFill>
+          <a:ln>
+            <a:solidFill>
+              <a:srgbClr val="92D050"/>
+            </a:solidFill>
+          </a:ln>
+        </p:spPr>
+        <p:style>
+          <a:lnRef idx="2">
+            <a:schemeClr val="accent1">
+              <a:shade val="50000"/>
+            </a:schemeClr>
+          </a:lnRef>
+          <a:fillRef idx="1">
+            <a:schemeClr val="accent1"/>
+          </a:fillRef>
+          <a:effectRef idx="0">
+            <a:schemeClr val="accent1"/>
+          </a:effectRef>
+          <a:fontRef idx="minor">
+            <a:schemeClr val="lt1"/>
+          </a:fontRef>
+        </p:style>
+        <p:txBody>
+          <a:bodyPr vert="horz" rtlCol="0" anchor="ctr"/>
+          <a:lstStyle/>
+          <a:p>
+            <a:pPr algn="ctr"/>
+            <a:r>
+              <a:rPr lang="en-AU" sz="2400" dirty="0"/>
+              <a:t>Inter-core </a:t>
+            </a:r>
+          </a:p>
+          <a:p>
+            <a:pPr algn="ctr"/>
+            <a:r>
+              <a:rPr lang="en-AU" sz="2400" dirty="0"/>
+              <a:t>Message bridge</a:t>
+            </a:r>
+          </a:p>
+        </p:txBody>
+      </p:sp>
+      <p:sp>
+        <p:nvSpPr>
+          <p:cNvPr id="6" name="Rectangle 5">
+            <a:extLst>
+              <a:ext uri="{FF2B5EF4-FFF2-40B4-BE49-F238E27FC236}">
+                <a16:creationId xmlns:a16="http://schemas.microsoft.com/office/drawing/2014/main" id="{544B8A83-6052-4D5F-B5FF-E520C46B7688}"/>
+              </a:ext>
+            </a:extLst>
+          </p:cNvPr>
+          <p:cNvSpPr/>
+          <p:nvPr/>
+        </p:nvSpPr>
+        <p:spPr>
+          <a:xfrm>
+            <a:off x="7763158" y="3477468"/>
+            <a:ext cx="3265055" cy="2678546"/>
+          </a:xfrm>
+          <a:prstGeom prst="rect">
+            <a:avLst/>
+          </a:prstGeom>
+        </p:spPr>
+        <p:style>
+          <a:lnRef idx="2">
+            <a:schemeClr val="accent1">
+              <a:shade val="50000"/>
+            </a:schemeClr>
+          </a:lnRef>
+          <a:fillRef idx="1">
+            <a:schemeClr val="accent1"/>
+          </a:fillRef>
+          <a:effectRef idx="0">
+            <a:schemeClr val="accent1"/>
+          </a:effectRef>
+          <a:fontRef idx="minor">
+            <a:schemeClr val="lt1"/>
+          </a:fontRef>
+        </p:style>
+        <p:txBody>
+          <a:bodyPr rtlCol="0" anchor="t"/>
+          <a:lstStyle/>
+          <a:p>
+            <a:pPr algn="ctr"/>
+            <a:r>
+              <a:rPr lang="en-AU" dirty="0"/>
+              <a:t>Azure RTOS </a:t>
+            </a:r>
+            <a:r>
+              <a:rPr lang="en-AU" dirty="0" err="1"/>
+              <a:t>ThreadX</a:t>
+            </a:r>
+            <a:endParaRPr lang="en-AU" dirty="0"/>
+          </a:p>
+        </p:txBody>
+      </p:sp>
+      <p:grpSp>
+        <p:nvGrpSpPr>
+          <p:cNvPr id="7" name="Group 6">
+            <a:extLst>
+              <a:ext uri="{FF2B5EF4-FFF2-40B4-BE49-F238E27FC236}">
+                <a16:creationId xmlns:a16="http://schemas.microsoft.com/office/drawing/2014/main" id="{7AAF7F28-E7BE-4B48-8DC9-442262C029BD}"/>
+              </a:ext>
+            </a:extLst>
+          </p:cNvPr>
+          <p:cNvGrpSpPr/>
+          <p:nvPr/>
+        </p:nvGrpSpPr>
+        <p:grpSpPr>
+          <a:xfrm>
+            <a:off x="8040250" y="3928888"/>
+            <a:ext cx="2683168" cy="2022763"/>
+            <a:chOff x="7596909" y="2802074"/>
+            <a:chExt cx="2336800" cy="2022763"/>
+          </a:xfrm>
+        </p:grpSpPr>
+        <p:sp>
+          <p:nvSpPr>
+            <p:cNvPr id="8" name="Rectangle 7">
+              <a:extLst>
+                <a:ext uri="{FF2B5EF4-FFF2-40B4-BE49-F238E27FC236}">
+                  <a16:creationId xmlns:a16="http://schemas.microsoft.com/office/drawing/2014/main" id="{AC765F96-DEA3-4EB2-9930-F1DF849B74AF}"/>
+                </a:ext>
+              </a:extLst>
+            </p:cNvPr>
+            <p:cNvSpPr/>
+            <p:nvPr/>
+          </p:nvSpPr>
+          <p:spPr>
+            <a:xfrm>
+              <a:off x="7596909" y="2802074"/>
+              <a:ext cx="2336800" cy="2022763"/>
+            </a:xfrm>
+            <a:prstGeom prst="rect">
+              <a:avLst/>
+            </a:prstGeom>
+            <a:solidFill>
+              <a:schemeClr val="accent4">
+                <a:lumMod val="75000"/>
+              </a:schemeClr>
+            </a:solidFill>
+          </p:spPr>
+          <p:style>
+            <a:lnRef idx="2">
+              <a:schemeClr val="accent1">
+                <a:shade val="50000"/>
+              </a:schemeClr>
+            </a:lnRef>
+            <a:fillRef idx="1">
+              <a:schemeClr val="accent1"/>
+            </a:fillRef>
+            <a:effectRef idx="0">
+              <a:schemeClr val="accent1"/>
+            </a:effectRef>
+            <a:fontRef idx="minor">
+              <a:schemeClr val="lt1"/>
+            </a:fontRef>
+          </p:style>
+          <p:txBody>
+            <a:bodyPr rtlCol="0" anchor="t"/>
+            <a:lstStyle/>
+            <a:p>
+              <a:pPr algn="ctr"/>
+              <a:r>
+                <a:rPr lang="en-AU" dirty="0" err="1"/>
+                <a:t>ThreadX</a:t>
+              </a:r>
+              <a:r>
+                <a:rPr lang="en-AU" dirty="0"/>
+                <a:t> Threads</a:t>
+              </a:r>
+            </a:p>
+          </p:txBody>
+        </p:sp>
+        <p:sp>
+          <p:nvSpPr>
+            <p:cNvPr id="9" name="Rectangle 8">
+              <a:extLst>
+                <a:ext uri="{FF2B5EF4-FFF2-40B4-BE49-F238E27FC236}">
+                  <a16:creationId xmlns:a16="http://schemas.microsoft.com/office/drawing/2014/main" id="{98FAECBB-FDD7-4C13-9EBE-8C1BA6A0326B}"/>
+                </a:ext>
+              </a:extLst>
+            </p:cNvPr>
+            <p:cNvSpPr/>
+            <p:nvPr/>
+          </p:nvSpPr>
+          <p:spPr>
+            <a:xfrm>
+              <a:off x="7693891" y="3261583"/>
+              <a:ext cx="2142836" cy="397165"/>
+            </a:xfrm>
+            <a:prstGeom prst="rect">
+              <a:avLst/>
+            </a:prstGeom>
+            <a:solidFill>
+              <a:schemeClr val="accent4">
+                <a:lumMod val="75000"/>
+              </a:schemeClr>
+            </a:solidFill>
+          </p:spPr>
+          <p:style>
+            <a:lnRef idx="2">
+              <a:schemeClr val="accent1">
+                <a:shade val="50000"/>
+              </a:schemeClr>
+            </a:lnRef>
+            <a:fillRef idx="1">
+              <a:schemeClr val="accent1"/>
+            </a:fillRef>
+            <a:effectRef idx="0">
+              <a:schemeClr val="accent1"/>
+            </a:effectRef>
+            <a:fontRef idx="minor">
+              <a:schemeClr val="lt1"/>
+            </a:fontRef>
+          </p:style>
+          <p:txBody>
+            <a:bodyPr rtlCol="0" anchor="ctr"/>
+            <a:lstStyle/>
+            <a:p>
+              <a:pPr algn="ctr"/>
+              <a:r>
+                <a:rPr lang="en-AU" dirty="0"/>
+                <a:t>Ultrasonic Sensor</a:t>
+              </a:r>
+            </a:p>
+          </p:txBody>
+        </p:sp>
+        <p:sp>
+          <p:nvSpPr>
+            <p:cNvPr id="10" name="Rectangle 9">
+              <a:extLst>
+                <a:ext uri="{FF2B5EF4-FFF2-40B4-BE49-F238E27FC236}">
+                  <a16:creationId xmlns:a16="http://schemas.microsoft.com/office/drawing/2014/main" id="{8B2686D4-E5E8-48AA-BFBD-35FC9FDC47C8}"/>
+                </a:ext>
+              </a:extLst>
+            </p:cNvPr>
+            <p:cNvSpPr/>
+            <p:nvPr/>
+          </p:nvSpPr>
+          <p:spPr>
+            <a:xfrm>
+              <a:off x="7693891" y="3786037"/>
+              <a:ext cx="2142836" cy="397165"/>
+            </a:xfrm>
+            <a:prstGeom prst="rect">
+              <a:avLst/>
+            </a:prstGeom>
+            <a:solidFill>
+              <a:schemeClr val="accent4">
+                <a:lumMod val="75000"/>
+              </a:schemeClr>
+            </a:solidFill>
+          </p:spPr>
+          <p:style>
+            <a:lnRef idx="2">
+              <a:schemeClr val="accent1">
+                <a:shade val="50000"/>
+              </a:schemeClr>
+            </a:lnRef>
+            <a:fillRef idx="1">
+              <a:schemeClr val="accent1"/>
+            </a:fillRef>
+            <a:effectRef idx="0">
+              <a:schemeClr val="accent1"/>
+            </a:effectRef>
+            <a:fontRef idx="minor">
+              <a:schemeClr val="lt1"/>
+            </a:fontRef>
+          </p:style>
+          <p:txBody>
+            <a:bodyPr rtlCol="0" anchor="ctr"/>
+            <a:lstStyle/>
+            <a:p>
+              <a:pPr algn="ctr"/>
+              <a:r>
+                <a:rPr lang="en-AU" dirty="0"/>
+                <a:t>Outbound Messages</a:t>
+              </a:r>
+            </a:p>
+          </p:txBody>
+        </p:sp>
+        <p:sp>
+          <p:nvSpPr>
+            <p:cNvPr id="11" name="Rectangle 10">
+              <a:extLst>
+                <a:ext uri="{FF2B5EF4-FFF2-40B4-BE49-F238E27FC236}">
+                  <a16:creationId xmlns:a16="http://schemas.microsoft.com/office/drawing/2014/main" id="{7709FC22-1D3B-434C-9E6F-AB6F8C963D48}"/>
+                </a:ext>
+              </a:extLst>
+            </p:cNvPr>
+            <p:cNvSpPr/>
+            <p:nvPr/>
+          </p:nvSpPr>
+          <p:spPr>
+            <a:xfrm>
+              <a:off x="7693891" y="4310491"/>
+              <a:ext cx="2142836" cy="397165"/>
+            </a:xfrm>
+            <a:prstGeom prst="rect">
+              <a:avLst/>
+            </a:prstGeom>
+            <a:solidFill>
+              <a:schemeClr val="accent4">
+                <a:lumMod val="75000"/>
+              </a:schemeClr>
+            </a:solidFill>
+          </p:spPr>
+          <p:style>
+            <a:lnRef idx="2">
+              <a:schemeClr val="accent1">
+                <a:shade val="50000"/>
+              </a:schemeClr>
+            </a:lnRef>
+            <a:fillRef idx="1">
+              <a:schemeClr val="accent1"/>
+            </a:fillRef>
+            <a:effectRef idx="0">
+              <a:schemeClr val="accent1"/>
+            </a:effectRef>
+            <a:fontRef idx="minor">
+              <a:schemeClr val="lt1"/>
+            </a:fontRef>
+          </p:style>
+          <p:txBody>
+            <a:bodyPr rtlCol="0" anchor="ctr"/>
+            <a:lstStyle/>
+            <a:p>
+              <a:pPr algn="ctr"/>
+              <a:r>
+                <a:rPr lang="en-AU" dirty="0"/>
+                <a:t>Inbound Messages</a:t>
+              </a:r>
+            </a:p>
+          </p:txBody>
+        </p:sp>
+      </p:grpSp>
+      <p:sp>
+        <p:nvSpPr>
+          <p:cNvPr id="12" name="Arrow: Right 11">
+            <a:extLst>
+              <a:ext uri="{FF2B5EF4-FFF2-40B4-BE49-F238E27FC236}">
+                <a16:creationId xmlns:a16="http://schemas.microsoft.com/office/drawing/2014/main" id="{5EACF109-B2AE-4A3A-8655-0C0258B4549B}"/>
+              </a:ext>
+            </a:extLst>
+          </p:cNvPr>
+          <p:cNvSpPr/>
+          <p:nvPr/>
+        </p:nvSpPr>
+        <p:spPr>
+          <a:xfrm rot="10800000">
+            <a:off x="6912228" y="4912275"/>
+            <a:ext cx="1125641" cy="397165"/>
+          </a:xfrm>
+          <a:prstGeom prst="rightArrow">
+            <a:avLst/>
+          </a:prstGeom>
+          <a:gradFill flip="none" rotWithShape="1">
+            <a:gsLst>
+              <a:gs pos="0">
+                <a:schemeClr val="accent6">
+                  <a:lumMod val="60000"/>
+                  <a:lumOff val="40000"/>
+                  <a:shade val="30000"/>
+                  <a:satMod val="115000"/>
+                </a:schemeClr>
+              </a:gs>
+              <a:gs pos="50000">
+                <a:schemeClr val="accent6">
+                  <a:lumMod val="60000"/>
+                  <a:lumOff val="40000"/>
+                  <a:shade val="67500"/>
+                  <a:satMod val="115000"/>
+                </a:schemeClr>
+              </a:gs>
+              <a:gs pos="100000">
+                <a:schemeClr val="accent6">
+                  <a:lumMod val="60000"/>
+                  <a:lumOff val="40000"/>
+                  <a:shade val="100000"/>
+                  <a:satMod val="115000"/>
+                </a:schemeClr>
+              </a:gs>
+            </a:gsLst>
+            <a:lin ang="2700000" scaled="1"/>
+            <a:tileRect/>
+          </a:gradFill>
+          <a:ln>
+            <a:solidFill>
+              <a:srgbClr val="92D050"/>
+            </a:solidFill>
+          </a:ln>
+        </p:spPr>
+        <p:style>
+          <a:lnRef idx="2">
+            <a:schemeClr val="accent1">
+              <a:shade val="50000"/>
+            </a:schemeClr>
+          </a:lnRef>
+          <a:fillRef idx="1">
+            <a:schemeClr val="accent1"/>
+          </a:fillRef>
+          <a:effectRef idx="0">
+            <a:schemeClr val="accent1"/>
+          </a:effectRef>
+          <a:fontRef idx="minor">
+            <a:schemeClr val="lt1"/>
+          </a:fontRef>
+        </p:style>
+        <p:txBody>
+          <a:bodyPr rtlCol="0" anchor="ctr"/>
+          <a:lstStyle/>
+          <a:p>
+            <a:pPr algn="ctr"/>
+            <a:endParaRPr lang="en-AU"/>
+          </a:p>
+        </p:txBody>
+      </p:sp>
+      <p:sp>
+        <p:nvSpPr>
+          <p:cNvPr id="13" name="Arrow: Right 12">
+            <a:extLst>
+              <a:ext uri="{FF2B5EF4-FFF2-40B4-BE49-F238E27FC236}">
+                <a16:creationId xmlns:a16="http://schemas.microsoft.com/office/drawing/2014/main" id="{840377F9-E966-4A0A-9E96-66A89A27A0FE}"/>
+              </a:ext>
+            </a:extLst>
+          </p:cNvPr>
+          <p:cNvSpPr/>
+          <p:nvPr/>
+        </p:nvSpPr>
+        <p:spPr>
+          <a:xfrm>
+            <a:off x="6912228" y="5421143"/>
+            <a:ext cx="1116116" cy="397165"/>
+          </a:xfrm>
+          <a:prstGeom prst="rightArrow">
+            <a:avLst/>
+          </a:prstGeom>
+          <a:gradFill flip="none" rotWithShape="1">
+            <a:gsLst>
+              <a:gs pos="0">
+                <a:schemeClr val="accent6">
+                  <a:lumMod val="60000"/>
+                  <a:lumOff val="40000"/>
+                  <a:shade val="30000"/>
+                  <a:satMod val="115000"/>
+                </a:schemeClr>
+              </a:gs>
+              <a:gs pos="50000">
+                <a:schemeClr val="accent6">
+                  <a:lumMod val="60000"/>
+                  <a:lumOff val="40000"/>
+                  <a:shade val="67500"/>
+                  <a:satMod val="115000"/>
+                </a:schemeClr>
+              </a:gs>
+              <a:gs pos="100000">
+                <a:schemeClr val="accent6">
+                  <a:lumMod val="60000"/>
+                  <a:lumOff val="40000"/>
+                  <a:shade val="100000"/>
+                  <a:satMod val="115000"/>
+                </a:schemeClr>
+              </a:gs>
+            </a:gsLst>
+            <a:lin ang="2700000" scaled="1"/>
+            <a:tileRect/>
+          </a:gradFill>
+          <a:ln>
+            <a:solidFill>
+              <a:srgbClr val="92D050"/>
+            </a:solidFill>
+          </a:ln>
+        </p:spPr>
+        <p:style>
+          <a:lnRef idx="2">
+            <a:schemeClr val="accent1">
+              <a:shade val="50000"/>
+            </a:schemeClr>
+          </a:lnRef>
+          <a:fillRef idx="1">
+            <a:schemeClr val="accent1"/>
+          </a:fillRef>
+          <a:effectRef idx="0">
+            <a:schemeClr val="accent1"/>
+          </a:effectRef>
+          <a:fontRef idx="minor">
+            <a:schemeClr val="lt1"/>
+          </a:fontRef>
+        </p:style>
+        <p:txBody>
+          <a:bodyPr rtlCol="0" anchor="ctr"/>
+          <a:lstStyle/>
+          <a:p>
+            <a:pPr algn="ctr"/>
+            <a:endParaRPr lang="en-AU"/>
+          </a:p>
+        </p:txBody>
+      </p:sp>
+      <p:sp>
+        <p:nvSpPr>
+          <p:cNvPr id="14" name="Rectangle 13">
+            <a:extLst>
+              <a:ext uri="{FF2B5EF4-FFF2-40B4-BE49-F238E27FC236}">
+                <a16:creationId xmlns:a16="http://schemas.microsoft.com/office/drawing/2014/main" id="{B3132798-40E6-4792-B312-9D063C0142D6}"/>
+              </a:ext>
+            </a:extLst>
+          </p:cNvPr>
+          <p:cNvSpPr/>
+          <p:nvPr/>
+        </p:nvSpPr>
+        <p:spPr>
+          <a:xfrm>
+            <a:off x="1163786" y="3463760"/>
+            <a:ext cx="3267353" cy="2678546"/>
+          </a:xfrm>
+          <a:prstGeom prst="rect">
+            <a:avLst/>
+          </a:prstGeom>
+        </p:spPr>
+        <p:style>
+          <a:lnRef idx="2">
+            <a:schemeClr val="accent1">
+              <a:shade val="50000"/>
+            </a:schemeClr>
+          </a:lnRef>
+          <a:fillRef idx="1">
+            <a:schemeClr val="accent1"/>
+          </a:fillRef>
+          <a:effectRef idx="0">
+            <a:schemeClr val="accent1"/>
+          </a:effectRef>
+          <a:fontRef idx="minor">
+            <a:schemeClr val="lt1"/>
+          </a:fontRef>
+        </p:style>
+        <p:txBody>
+          <a:bodyPr rtlCol="0" anchor="t"/>
+          <a:lstStyle/>
+          <a:p>
+            <a:pPr algn="ctr"/>
+            <a:r>
+              <a:rPr lang="en-AU" dirty="0"/>
+              <a:t>High-level application</a:t>
+            </a:r>
+          </a:p>
+        </p:txBody>
+      </p:sp>
+      <p:sp>
+        <p:nvSpPr>
+          <p:cNvPr id="15" name="Rectangle 14">
+            <a:extLst>
+              <a:ext uri="{FF2B5EF4-FFF2-40B4-BE49-F238E27FC236}">
+                <a16:creationId xmlns:a16="http://schemas.microsoft.com/office/drawing/2014/main" id="{6FFA6AF3-869D-4720-BC27-0C6085977ECA}"/>
+              </a:ext>
+            </a:extLst>
+          </p:cNvPr>
+          <p:cNvSpPr/>
+          <p:nvPr/>
+        </p:nvSpPr>
+        <p:spPr>
+          <a:xfrm>
+            <a:off x="1468582" y="3915179"/>
+            <a:ext cx="2685322" cy="2022763"/>
+          </a:xfrm>
+          <a:prstGeom prst="rect">
+            <a:avLst/>
+          </a:prstGeom>
+          <a:solidFill>
+            <a:schemeClr val="accent4">
+              <a:lumMod val="75000"/>
+            </a:schemeClr>
+          </a:solidFill>
+        </p:spPr>
+        <p:style>
+          <a:lnRef idx="2">
+            <a:schemeClr val="accent1">
+              <a:shade val="50000"/>
+            </a:schemeClr>
+          </a:lnRef>
+          <a:fillRef idx="1">
+            <a:schemeClr val="accent1"/>
+          </a:fillRef>
+          <a:effectRef idx="0">
+            <a:schemeClr val="accent1"/>
+          </a:effectRef>
+          <a:fontRef idx="minor">
+            <a:schemeClr val="lt1"/>
+          </a:fontRef>
+        </p:style>
+        <p:txBody>
+          <a:bodyPr rtlCol="0" anchor="t"/>
+          <a:lstStyle/>
+          <a:p>
+            <a:pPr algn="ctr"/>
+            <a:endParaRPr lang="en-AU" dirty="0"/>
+          </a:p>
+        </p:txBody>
+      </p:sp>
+      <p:sp>
+        <p:nvSpPr>
+          <p:cNvPr id="16" name="Rectangle 15">
+            <a:extLst>
+              <a:ext uri="{FF2B5EF4-FFF2-40B4-BE49-F238E27FC236}">
+                <a16:creationId xmlns:a16="http://schemas.microsoft.com/office/drawing/2014/main" id="{7087AC7D-7F3E-4990-9A70-BF3F8913EDCF}"/>
+              </a:ext>
+            </a:extLst>
+          </p:cNvPr>
+          <p:cNvSpPr/>
+          <p:nvPr/>
+        </p:nvSpPr>
+        <p:spPr>
+          <a:xfrm>
+            <a:off x="1560265" y="4061103"/>
+            <a:ext cx="2501956" cy="511320"/>
+          </a:xfrm>
+          <a:prstGeom prst="rect">
+            <a:avLst/>
+          </a:prstGeom>
+          <a:solidFill>
+            <a:schemeClr val="accent4">
+              <a:lumMod val="75000"/>
+            </a:schemeClr>
+          </a:solidFill>
+        </p:spPr>
+        <p:style>
+          <a:lnRef idx="2">
+            <a:schemeClr val="accent1">
+              <a:shade val="50000"/>
+            </a:schemeClr>
+          </a:lnRef>
+          <a:fillRef idx="1">
+            <a:schemeClr val="accent1"/>
+          </a:fillRef>
+          <a:effectRef idx="0">
+            <a:schemeClr val="accent1"/>
+          </a:effectRef>
+          <a:fontRef idx="minor">
+            <a:schemeClr val="lt1"/>
+          </a:fontRef>
+        </p:style>
+        <p:txBody>
+          <a:bodyPr rtlCol="0" anchor="ctr"/>
+          <a:lstStyle/>
+          <a:p>
+            <a:pPr algn="ctr"/>
+            <a:r>
+              <a:rPr lang="en-AU" sz="1600" dirty="0"/>
+              <a:t>Azure IoT Messages &amp; Device twins (direction)</a:t>
+            </a:r>
+          </a:p>
+        </p:txBody>
+      </p:sp>
+      <p:sp>
+        <p:nvSpPr>
+          <p:cNvPr id="17" name="Rectangle 16">
+            <a:extLst>
+              <a:ext uri="{FF2B5EF4-FFF2-40B4-BE49-F238E27FC236}">
+                <a16:creationId xmlns:a16="http://schemas.microsoft.com/office/drawing/2014/main" id="{8C53E734-7EDD-4E39-B273-059621729EDE}"/>
+              </a:ext>
+            </a:extLst>
+          </p:cNvPr>
+          <p:cNvSpPr/>
+          <p:nvPr/>
+        </p:nvSpPr>
+        <p:spPr>
+          <a:xfrm>
+            <a:off x="1560265" y="5303959"/>
+            <a:ext cx="2486476" cy="511320"/>
+          </a:xfrm>
+          <a:prstGeom prst="rect">
+            <a:avLst/>
+          </a:prstGeom>
+          <a:solidFill>
+            <a:schemeClr val="accent4">
+              <a:lumMod val="75000"/>
+            </a:schemeClr>
+          </a:solidFill>
+        </p:spPr>
+        <p:style>
+          <a:lnRef idx="2">
+            <a:schemeClr val="accent1">
+              <a:shade val="50000"/>
+            </a:schemeClr>
+          </a:lnRef>
+          <a:fillRef idx="1">
+            <a:schemeClr val="accent1"/>
+          </a:fillRef>
+          <a:effectRef idx="0">
+            <a:schemeClr val="accent1"/>
+          </a:effectRef>
+          <a:fontRef idx="minor">
+            <a:schemeClr val="lt1"/>
+          </a:fontRef>
+        </p:style>
+        <p:txBody>
+          <a:bodyPr rtlCol="0" anchor="ctr"/>
+          <a:lstStyle/>
+          <a:p>
+            <a:pPr algn="ctr"/>
+            <a:r>
+              <a:rPr lang="en-AU" sz="1600" dirty="0"/>
+              <a:t>Real-time core heartbeat</a:t>
+            </a:r>
+          </a:p>
+        </p:txBody>
+      </p:sp>
+      <p:sp>
+        <p:nvSpPr>
+          <p:cNvPr id="18" name="Arrow: Right 17">
+            <a:extLst>
+              <a:ext uri="{FF2B5EF4-FFF2-40B4-BE49-F238E27FC236}">
+                <a16:creationId xmlns:a16="http://schemas.microsoft.com/office/drawing/2014/main" id="{17F6C807-66AE-4326-8F99-6DFAAC49E839}"/>
+              </a:ext>
+            </a:extLst>
+          </p:cNvPr>
+          <p:cNvSpPr/>
+          <p:nvPr/>
+        </p:nvSpPr>
+        <p:spPr>
+          <a:xfrm>
+            <a:off x="4153976" y="5333979"/>
+            <a:ext cx="1125793" cy="397165"/>
+          </a:xfrm>
+          <a:prstGeom prst="rightArrow">
+            <a:avLst/>
+          </a:prstGeom>
+          <a:gradFill flip="none" rotWithShape="1">
+            <a:gsLst>
+              <a:gs pos="0">
+                <a:schemeClr val="accent6">
+                  <a:lumMod val="60000"/>
+                  <a:lumOff val="40000"/>
+                  <a:shade val="30000"/>
+                  <a:satMod val="115000"/>
+                </a:schemeClr>
+              </a:gs>
+              <a:gs pos="50000">
+                <a:schemeClr val="accent6">
+                  <a:lumMod val="60000"/>
+                  <a:lumOff val="40000"/>
+                  <a:shade val="67500"/>
+                  <a:satMod val="115000"/>
+                </a:schemeClr>
+              </a:gs>
+              <a:gs pos="100000">
+                <a:schemeClr val="accent6">
+                  <a:lumMod val="60000"/>
+                  <a:lumOff val="40000"/>
+                  <a:shade val="100000"/>
+                  <a:satMod val="115000"/>
+                </a:schemeClr>
+              </a:gs>
+            </a:gsLst>
+            <a:lin ang="2700000" scaled="1"/>
+            <a:tileRect/>
+          </a:gradFill>
+          <a:ln>
+            <a:solidFill>
+              <a:srgbClr val="92D050"/>
+            </a:solidFill>
+          </a:ln>
+        </p:spPr>
+        <p:style>
+          <a:lnRef idx="2">
+            <a:schemeClr val="accent1">
+              <a:shade val="50000"/>
+            </a:schemeClr>
+          </a:lnRef>
+          <a:fillRef idx="1">
+            <a:schemeClr val="accent1"/>
+          </a:fillRef>
+          <a:effectRef idx="0">
+            <a:schemeClr val="accent1"/>
+          </a:effectRef>
+          <a:fontRef idx="minor">
+            <a:schemeClr val="lt1"/>
+          </a:fontRef>
+        </p:style>
+        <p:txBody>
+          <a:bodyPr rtlCol="0" anchor="ctr"/>
+          <a:lstStyle/>
+          <a:p>
+            <a:pPr algn="ctr"/>
+            <a:endParaRPr lang="en-AU"/>
+          </a:p>
+        </p:txBody>
+      </p:sp>
+      <p:sp>
+        <p:nvSpPr>
+          <p:cNvPr id="19" name="Arrow: Right 18">
+            <a:extLst>
+              <a:ext uri="{FF2B5EF4-FFF2-40B4-BE49-F238E27FC236}">
+                <a16:creationId xmlns:a16="http://schemas.microsoft.com/office/drawing/2014/main" id="{1EFB2B41-01DB-4DD0-A90C-935175C700BC}"/>
+              </a:ext>
+            </a:extLst>
+          </p:cNvPr>
+          <p:cNvSpPr/>
+          <p:nvPr/>
+        </p:nvSpPr>
+        <p:spPr>
+          <a:xfrm rot="10800000">
+            <a:off x="4156904" y="4129040"/>
+            <a:ext cx="1122866" cy="397165"/>
+          </a:xfrm>
+          <a:prstGeom prst="rightArrow">
+            <a:avLst/>
+          </a:prstGeom>
+          <a:gradFill flip="none" rotWithShape="1">
+            <a:gsLst>
+              <a:gs pos="0">
+                <a:schemeClr val="accent6">
+                  <a:lumMod val="60000"/>
+                  <a:lumOff val="40000"/>
+                  <a:shade val="30000"/>
+                  <a:satMod val="115000"/>
+                </a:schemeClr>
+              </a:gs>
+              <a:gs pos="50000">
+                <a:schemeClr val="accent6">
+                  <a:lumMod val="60000"/>
+                  <a:lumOff val="40000"/>
+                  <a:shade val="67500"/>
+                  <a:satMod val="115000"/>
+                </a:schemeClr>
+              </a:gs>
+              <a:gs pos="100000">
+                <a:schemeClr val="accent6">
+                  <a:lumMod val="60000"/>
+                  <a:lumOff val="40000"/>
+                  <a:shade val="100000"/>
+                  <a:satMod val="115000"/>
+                </a:schemeClr>
+              </a:gs>
+            </a:gsLst>
+            <a:lin ang="2700000" scaled="1"/>
+            <a:tileRect/>
+          </a:gradFill>
+          <a:ln>
+            <a:solidFill>
+              <a:srgbClr val="92D050"/>
+            </a:solidFill>
+          </a:ln>
+        </p:spPr>
+        <p:style>
+          <a:lnRef idx="2">
+            <a:schemeClr val="accent1">
+              <a:shade val="50000"/>
+            </a:schemeClr>
+          </a:lnRef>
+          <a:fillRef idx="1">
+            <a:schemeClr val="accent1"/>
+          </a:fillRef>
+          <a:effectRef idx="0">
+            <a:schemeClr val="accent1"/>
+          </a:effectRef>
+          <a:fontRef idx="minor">
+            <a:schemeClr val="lt1"/>
+          </a:fontRef>
+        </p:style>
+        <p:txBody>
+          <a:bodyPr rtlCol="0" anchor="ctr"/>
+          <a:lstStyle/>
+          <a:p>
+            <a:pPr algn="ctr"/>
+            <a:endParaRPr lang="en-AU"/>
+          </a:p>
+        </p:txBody>
+      </p:sp>
+      <p:sp>
+        <p:nvSpPr>
+          <p:cNvPr id="20" name="Rectangle 19">
+            <a:extLst>
+              <a:ext uri="{FF2B5EF4-FFF2-40B4-BE49-F238E27FC236}">
+                <a16:creationId xmlns:a16="http://schemas.microsoft.com/office/drawing/2014/main" id="{8A47A0FE-45BF-4E7B-B5B0-502F82FFB485}"/>
+              </a:ext>
+            </a:extLst>
+          </p:cNvPr>
+          <p:cNvSpPr/>
+          <p:nvPr/>
+        </p:nvSpPr>
+        <p:spPr>
+          <a:xfrm>
+            <a:off x="1560265" y="4682531"/>
+            <a:ext cx="2484167" cy="511320"/>
+          </a:xfrm>
+          <a:prstGeom prst="rect">
+            <a:avLst/>
+          </a:prstGeom>
+          <a:solidFill>
+            <a:schemeClr val="accent4">
+              <a:lumMod val="75000"/>
+            </a:schemeClr>
+          </a:solidFill>
+        </p:spPr>
+        <p:style>
+          <a:lnRef idx="2">
+            <a:schemeClr val="accent1">
+              <a:shade val="50000"/>
+            </a:schemeClr>
+          </a:lnRef>
+          <a:fillRef idx="1">
+            <a:schemeClr val="accent1"/>
+          </a:fillRef>
+          <a:effectRef idx="0">
+            <a:schemeClr val="accent1"/>
+          </a:effectRef>
+          <a:fontRef idx="minor">
+            <a:schemeClr val="lt1"/>
+          </a:fontRef>
+        </p:style>
+        <p:txBody>
+          <a:bodyPr rtlCol="0" anchor="ctr"/>
+          <a:lstStyle/>
+          <a:p>
+            <a:pPr algn="ctr"/>
+            <a:r>
+              <a:rPr lang="en-AU" sz="1600" dirty="0"/>
+              <a:t>Azure IoT </a:t>
+            </a:r>
+          </a:p>
+          <a:p>
+            <a:pPr algn="ctr"/>
+            <a:r>
+              <a:rPr lang="en-AU" sz="1600" dirty="0"/>
+              <a:t>Direct methods (stop/start)</a:t>
+            </a:r>
+          </a:p>
+        </p:txBody>
+      </p:sp>
+      <p:sp>
+        <p:nvSpPr>
+          <p:cNvPr id="21" name="Arrow: Right 20">
+            <a:extLst>
+              <a:ext uri="{FF2B5EF4-FFF2-40B4-BE49-F238E27FC236}">
+                <a16:creationId xmlns:a16="http://schemas.microsoft.com/office/drawing/2014/main" id="{CF3C112B-847E-42BF-82BA-AF3306EF4EC2}"/>
+              </a:ext>
+            </a:extLst>
+          </p:cNvPr>
+          <p:cNvSpPr/>
+          <p:nvPr/>
+        </p:nvSpPr>
+        <p:spPr>
+          <a:xfrm>
+            <a:off x="4153976" y="4724234"/>
+            <a:ext cx="1118931" cy="397165"/>
+          </a:xfrm>
+          <a:prstGeom prst="rightArrow">
+            <a:avLst/>
+          </a:prstGeom>
+          <a:gradFill flip="none" rotWithShape="1">
+            <a:gsLst>
+              <a:gs pos="0">
+                <a:schemeClr val="accent6">
+                  <a:lumMod val="60000"/>
+                  <a:lumOff val="40000"/>
+                  <a:shade val="30000"/>
+                  <a:satMod val="115000"/>
+                </a:schemeClr>
+              </a:gs>
+              <a:gs pos="50000">
+                <a:schemeClr val="accent6">
+                  <a:lumMod val="60000"/>
+                  <a:lumOff val="40000"/>
+                  <a:shade val="67500"/>
+                  <a:satMod val="115000"/>
+                </a:schemeClr>
+              </a:gs>
+              <a:gs pos="100000">
+                <a:schemeClr val="accent6">
+                  <a:lumMod val="60000"/>
+                  <a:lumOff val="40000"/>
+                  <a:shade val="100000"/>
+                  <a:satMod val="115000"/>
+                </a:schemeClr>
+              </a:gs>
+            </a:gsLst>
+            <a:lin ang="2700000" scaled="1"/>
+            <a:tileRect/>
+          </a:gradFill>
+          <a:ln>
+            <a:solidFill>
+              <a:srgbClr val="92D050"/>
+            </a:solidFill>
+          </a:ln>
+        </p:spPr>
+        <p:style>
+          <a:lnRef idx="2">
+            <a:schemeClr val="accent1">
+              <a:shade val="50000"/>
+            </a:schemeClr>
+          </a:lnRef>
+          <a:fillRef idx="1">
+            <a:schemeClr val="accent1"/>
+          </a:fillRef>
+          <a:effectRef idx="0">
+            <a:schemeClr val="accent1"/>
+          </a:effectRef>
+          <a:fontRef idx="minor">
+            <a:schemeClr val="lt1"/>
+          </a:fontRef>
+        </p:style>
+        <p:txBody>
+          <a:bodyPr rtlCol="0" anchor="ctr"/>
+          <a:lstStyle/>
+          <a:p>
+            <a:pPr algn="ctr"/>
+            <a:endParaRPr lang="en-AU"/>
+          </a:p>
+        </p:txBody>
+      </p:sp>
+    </p:spTree>
+    <p:extLst>
+      <p:ext uri="{BB962C8B-B14F-4D97-AF65-F5344CB8AC3E}">
+        <p14:creationId xmlns:p14="http://schemas.microsoft.com/office/powerpoint/2010/main" val="3719032544"/>
+      </p:ext>
+    </p:extLst>
+  </p:cSld>
+  <p:clrMapOvr>
+    <a:masterClrMapping/>
+  </p:clrMapOvr>
+</p:sld>
+</file>
+
 <file path=ppt/theme/theme1.xml><?xml version="1.0" encoding="utf-8"?>
 <a:theme xmlns:a="http://schemas.openxmlformats.org/drawingml/2006/main" name="Office Theme">
   <a:themeElements>
